--- a/presentations/balancer pres 2.pptx
+++ b/presentations/balancer pres 2.pptx
@@ -5,7 +5,7 @@
     <p:sldMasterId id="2147483648" r:id="rId1"/>
   </p:sldMasterIdLst>
   <p:notesMasterIdLst>
-    <p:notesMasterId r:id="rId25"/>
+    <p:notesMasterId r:id="rId28"/>
   </p:notesMasterIdLst>
   <p:sldIdLst>
     <p:sldId id="256" r:id="rId2"/>
@@ -18,19 +18,22 @@
     <p:sldId id="272" r:id="rId9"/>
     <p:sldId id="273" r:id="rId10"/>
     <p:sldId id="276" r:id="rId11"/>
-    <p:sldId id="277" r:id="rId12"/>
-    <p:sldId id="267" r:id="rId13"/>
+    <p:sldId id="281" r:id="rId12"/>
+    <p:sldId id="277" r:id="rId13"/>
     <p:sldId id="278" r:id="rId14"/>
-    <p:sldId id="260" r:id="rId15"/>
-    <p:sldId id="263" r:id="rId16"/>
-    <p:sldId id="261" r:id="rId17"/>
-    <p:sldId id="262" r:id="rId18"/>
-    <p:sldId id="268" r:id="rId19"/>
-    <p:sldId id="269" r:id="rId20"/>
-    <p:sldId id="270" r:id="rId21"/>
-    <p:sldId id="271" r:id="rId22"/>
-    <p:sldId id="275" r:id="rId23"/>
-    <p:sldId id="274" r:id="rId24"/>
+    <p:sldId id="279" r:id="rId15"/>
+    <p:sldId id="280" r:id="rId16"/>
+    <p:sldId id="267" r:id="rId17"/>
+    <p:sldId id="260" r:id="rId18"/>
+    <p:sldId id="263" r:id="rId19"/>
+    <p:sldId id="261" r:id="rId20"/>
+    <p:sldId id="262" r:id="rId21"/>
+    <p:sldId id="268" r:id="rId22"/>
+    <p:sldId id="269" r:id="rId23"/>
+    <p:sldId id="270" r:id="rId24"/>
+    <p:sldId id="271" r:id="rId25"/>
+    <p:sldId id="275" r:id="rId26"/>
+    <p:sldId id="274" r:id="rId27"/>
   </p:sldIdLst>
   <p:sldSz cx="9144000" cy="6858000" type="screen4x3"/>
   <p:notesSz cx="6858000" cy="9144000"/>
@@ -3813,7 +3816,7 @@
         </p:blipFill>
         <p:spPr>
           <a:xfrm>
-            <a:off x="2590800" y="2895600"/>
+            <a:off x="2438399" y="2743200"/>
             <a:ext cx="4444445" cy="1892064"/>
           </a:xfrm>
           <a:prstGeom prst="rect">
@@ -3868,7 +3871,7 @@
           <a:p>
             <a:r>
               <a:rPr lang="en-US" dirty="0" smtClean="0"/>
-              <a:t>Proposed Actuator 2</a:t>
+              <a:t>Proposed Actuator 2 Hardware</a:t>
             </a:r>
             <a:endParaRPr lang="en-US" dirty="0"/>
           </a:p>
@@ -3886,85 +3889,53 @@
         </p:nvSpPr>
         <p:spPr/>
         <p:txBody>
-          <a:bodyPr>
-            <a:normAutofit fontScale="92500" lnSpcReduction="10000"/>
-          </a:bodyPr>
+          <a:bodyPr/>
           <a:lstStyle/>
           <a:p>
             <a:r>
-              <a:rPr lang="en-US" dirty="0"/>
-              <a:t>Advantages:</a:t>
+              <a:rPr lang="en-US" dirty="0" smtClean="0"/>
+              <a:t>Lead Screw:</a:t>
             </a:r>
           </a:p>
           <a:p>
             <a:pPr lvl="1"/>
             <a:r>
-              <a:rPr lang="en-US" dirty="0"/>
-              <a:t>High force</a:t>
+              <a:rPr lang="en-US" dirty="0" smtClean="0"/>
+              <a:t>Helix Linear ¼” diameter, .024” lead, Acme thread</a:t>
+            </a:r>
+          </a:p>
+          <a:p>
+            <a:r>
+              <a:rPr lang="en-US" dirty="0" smtClean="0"/>
+              <a:t>Nut:</a:t>
             </a:r>
           </a:p>
           <a:p>
             <a:pPr lvl="1"/>
             <a:r>
-              <a:rPr lang="en-US" dirty="0"/>
-              <a:t>Large travel</a:t>
+              <a:rPr lang="en-US" dirty="0" smtClean="0"/>
+              <a:t>Helix Linear anti-backlash nuts, 1-3lb spring</a:t>
+            </a:r>
+          </a:p>
+          <a:p>
+            <a:r>
+              <a:rPr lang="en-US" dirty="0" smtClean="0"/>
+              <a:t>Motor:</a:t>
             </a:r>
           </a:p>
           <a:p>
             <a:pPr lvl="1"/>
             <a:r>
-              <a:rPr lang="en-US" dirty="0"/>
-              <a:t>Low cost </a:t>
-            </a:r>
-          </a:p>
-          <a:p>
-            <a:pPr lvl="1"/>
-            <a:r>
-              <a:rPr lang="en-US" dirty="0"/>
-              <a:t>Short lead </a:t>
-            </a:r>
-            <a:r>
-              <a:rPr lang="en-US" dirty="0" smtClean="0"/>
-              <a:t>time</a:t>
-            </a:r>
-          </a:p>
-          <a:p>
-            <a:r>
-              <a:rPr lang="en-US" dirty="0" smtClean="0"/>
-              <a:t>Disadvantages:</a:t>
-            </a:r>
-          </a:p>
-          <a:p>
-            <a:pPr lvl="1"/>
-            <a:r>
-              <a:rPr lang="en-US" dirty="0" smtClean="0"/>
-              <a:t>Lower resolution</a:t>
-            </a:r>
-          </a:p>
-          <a:p>
-            <a:pPr lvl="1"/>
-            <a:r>
-              <a:rPr lang="en-US" dirty="0" smtClean="0"/>
-              <a:t>Potentially lower “stiffness”</a:t>
-            </a:r>
-          </a:p>
-          <a:p>
-            <a:pPr lvl="1"/>
-            <a:r>
-              <a:rPr lang="en-US" dirty="0" smtClean="0"/>
-              <a:t>Permanent magnets in stepper motor may affect performance of magnetometers on test bed</a:t>
-            </a:r>
-            <a:endParaRPr lang="en-US" dirty="0"/>
-          </a:p>
-          <a:p>
-            <a:endParaRPr lang="en-US" dirty="0"/>
+              <a:rPr lang="en-US" dirty="0" smtClean="0"/>
+              <a:t>Lin Engineering 0.9°/step, hybrid, stepper motors</a:t>
+            </a:r>
           </a:p>
         </p:txBody>
       </p:sp>
     </p:spTree>
     <p:extLst>
       <p:ext uri="{BB962C8B-B14F-4D97-AF65-F5344CB8AC3E}">
-        <p14:creationId xmlns:p14="http://schemas.microsoft.com/office/powerpoint/2010/main" val="2190618254"/>
+        <p14:creationId xmlns:p14="http://schemas.microsoft.com/office/powerpoint/2010/main" val="775109562"/>
       </p:ext>
     </p:extLst>
   </p:cSld>
@@ -4008,7 +3979,7 @@
           <a:p>
             <a:r>
               <a:rPr lang="en-US" dirty="0" smtClean="0"/>
-              <a:t>Balancing Approaches</a:t>
+              <a:t>Proposed Actuator 2</a:t>
             </a:r>
             <a:endParaRPr lang="en-US" dirty="0"/>
           </a:p>
@@ -4026,19 +3997,77 @@
         </p:nvSpPr>
         <p:spPr/>
         <p:txBody>
-          <a:bodyPr/>
+          <a:bodyPr>
+            <a:normAutofit fontScale="92500" lnSpcReduction="10000"/>
+          </a:bodyPr>
           <a:lstStyle/>
           <a:p>
             <a:r>
-              <a:rPr lang="en-US" dirty="0" smtClean="0"/>
-              <a:t>Most rely on spinning the test-bed and measuring rotational rates</a:t>
-            </a:r>
-          </a:p>
-          <a:p>
-            <a:r>
-              <a:rPr lang="en-US" dirty="0" smtClean="0"/>
-              <a:t>Can be grouped into batch estimation type solutions and feedback solutions</a:t>
-            </a:r>
+              <a:rPr lang="en-US" dirty="0"/>
+              <a:t>Advantages:</a:t>
+            </a:r>
+          </a:p>
+          <a:p>
+            <a:pPr lvl="1"/>
+            <a:r>
+              <a:rPr lang="en-US" dirty="0"/>
+              <a:t>High force</a:t>
+            </a:r>
+          </a:p>
+          <a:p>
+            <a:pPr lvl="1"/>
+            <a:r>
+              <a:rPr lang="en-US" dirty="0"/>
+              <a:t>Large travel</a:t>
+            </a:r>
+          </a:p>
+          <a:p>
+            <a:pPr lvl="1"/>
+            <a:r>
+              <a:rPr lang="en-US" dirty="0"/>
+              <a:t>Low cost </a:t>
+            </a:r>
+          </a:p>
+          <a:p>
+            <a:pPr lvl="1"/>
+            <a:r>
+              <a:rPr lang="en-US" dirty="0"/>
+              <a:t>Short lead </a:t>
+            </a:r>
+            <a:r>
+              <a:rPr lang="en-US" dirty="0" smtClean="0"/>
+              <a:t>time</a:t>
+            </a:r>
+          </a:p>
+          <a:p>
+            <a:r>
+              <a:rPr lang="en-US" dirty="0" smtClean="0"/>
+              <a:t>Disadvantages:</a:t>
+            </a:r>
+          </a:p>
+          <a:p>
+            <a:pPr lvl="1"/>
+            <a:r>
+              <a:rPr lang="en-US" dirty="0" smtClean="0"/>
+              <a:t>Lower resolution</a:t>
+            </a:r>
+          </a:p>
+          <a:p>
+            <a:pPr lvl="1"/>
+            <a:r>
+              <a:rPr lang="en-US" dirty="0" smtClean="0"/>
+              <a:t>Potentially lower “stiffness”</a:t>
+            </a:r>
+          </a:p>
+          <a:p>
+            <a:pPr lvl="1"/>
+            <a:r>
+              <a:rPr lang="en-US" dirty="0" smtClean="0"/>
+              <a:t>Permanent magnets in stepper motor may affect performance of magnetometers on test bed</a:t>
+            </a:r>
+            <a:endParaRPr lang="en-US" dirty="0"/>
+          </a:p>
+          <a:p>
             <a:endParaRPr lang="en-US" dirty="0"/>
           </a:p>
         </p:txBody>
@@ -4046,20 +4075,13 @@
     </p:spTree>
     <p:extLst>
       <p:ext uri="{BB962C8B-B14F-4D97-AF65-F5344CB8AC3E}">
-        <p14:creationId xmlns:p14="http://schemas.microsoft.com/office/powerpoint/2010/main" val="4045546271"/>
+        <p14:creationId xmlns:p14="http://schemas.microsoft.com/office/powerpoint/2010/main" val="2190618254"/>
       </p:ext>
     </p:extLst>
   </p:cSld>
   <p:clrMapOvr>
     <a:masterClrMapping/>
   </p:clrMapOvr>
-  <p:timing>
-    <p:tnLst>
-      <p:par>
-        <p:cTn id="1" dur="indefinite" restart="never" nodeType="tmRoot"/>
-      </p:par>
-    </p:tnLst>
-  </p:timing>
 </p:sld>
 </file>
 
@@ -4099,31 +4121,2065 @@
           <a:p>
             <a:r>
               <a:rPr lang="en-US" dirty="0" smtClean="0"/>
-              <a:t>Side By Side Comparison of Actuators 1 and 2</a:t>
+              <a:t>Side By </a:t>
+            </a:r>
+            <a:r>
+              <a:rPr lang="en-US" dirty="0" smtClean="0"/>
+              <a:t>Side Performance </a:t>
+            </a:r>
+            <a:r>
+              <a:rPr lang="en-US" dirty="0" smtClean="0"/>
+              <a:t>Comparison of Actuators 1 and 2</a:t>
             </a:r>
             <a:endParaRPr lang="en-US" dirty="0"/>
           </a:p>
         </p:txBody>
       </p:sp>
-      <p:sp>
-        <p:nvSpPr>
-          <p:cNvPr id="5" name="Content Placeholder 4"/>
-          <p:cNvSpPr>
-            <a:spLocks noGrp="1"/>
-          </p:cNvSpPr>
+      <p:graphicFrame>
+        <p:nvGraphicFramePr>
+          <p:cNvPr id="8" name="Content Placeholder 7"/>
+          <p:cNvGraphicFramePr>
+            <a:graphicFrameLocks noGrp="1"/>
+          </p:cNvGraphicFramePr>
           <p:nvPr>
             <p:ph idx="1"/>
-          </p:nvPr>
-        </p:nvSpPr>
-        <p:spPr/>
-        <p:txBody>
-          <a:bodyPr/>
-          <a:lstStyle/>
-          <a:p>
-            <a:endParaRPr lang="en-US"/>
-          </a:p>
-        </p:txBody>
-      </p:sp>
+            <p:extLst>
+              <p:ext uri="{D42A27DB-BD31-4B8C-83A1-F6EECF244321}">
+                <p14:modId xmlns:p14="http://schemas.microsoft.com/office/powerpoint/2010/main" val="2211998445"/>
+              </p:ext>
+            </p:extLst>
+          </p:nvPr>
+        </p:nvGraphicFramePr>
+        <p:xfrm>
+          <a:off x="304800" y="1600200"/>
+          <a:ext cx="8534400" cy="4656041"/>
+        </p:xfrm>
+        <a:graphic>
+          <a:graphicData uri="http://schemas.openxmlformats.org/drawingml/2006/table">
+            <a:tbl>
+              <a:tblPr/>
+              <a:tblGrid>
+                <a:gridCol w="2844800"/>
+                <a:gridCol w="2844800"/>
+                <a:gridCol w="2844800"/>
+              </a:tblGrid>
+              <a:tr h="252121">
+                <a:tc>
+                  <a:txBody>
+                    <a:bodyPr/>
+                    <a:lstStyle/>
+                    <a:p>
+                      <a:pPr marL="0" marR="0">
+                        <a:spcBef>
+                          <a:spcPts val="0"/>
+                        </a:spcBef>
+                        <a:spcAft>
+                          <a:spcPts val="0"/>
+                        </a:spcAft>
+                      </a:pPr>
+                      <a:r>
+                        <a:rPr lang="en-US" sz="1200" kern="150" dirty="0">
+                          <a:effectLst/>
+                          <a:latin typeface="Liberation Serif"/>
+                          <a:ea typeface="SimSun"/>
+                          <a:cs typeface="Mangal"/>
+                        </a:rPr>
+                        <a:t>Metric</a:t>
+                      </a:r>
+                    </a:p>
+                  </a:txBody>
+                  <a:tcPr marL="29991" marR="29991" marT="29991" marB="29991">
+                    <a:lnL w="12700" cap="flat" cmpd="sng" algn="ctr">
+                      <a:solidFill>
+                        <a:srgbClr val="000000"/>
+                      </a:solidFill>
+                      <a:prstDash val="solid"/>
+                      <a:round/>
+                      <a:headEnd type="none" w="med" len="med"/>
+                      <a:tailEnd type="none" w="med" len="med"/>
+                    </a:lnL>
+                    <a:lnR w="12700" cap="flat" cmpd="sng" algn="ctr">
+                      <a:solidFill>
+                        <a:srgbClr val="000000"/>
+                      </a:solidFill>
+                      <a:prstDash val="solid"/>
+                      <a:round/>
+                      <a:headEnd type="none" w="med" len="med"/>
+                      <a:tailEnd type="none" w="med" len="med"/>
+                    </a:lnR>
+                    <a:lnT w="12700" cap="flat" cmpd="sng" algn="ctr">
+                      <a:solidFill>
+                        <a:srgbClr val="000000"/>
+                      </a:solidFill>
+                      <a:prstDash val="solid"/>
+                      <a:round/>
+                      <a:headEnd type="none" w="med" len="med"/>
+                      <a:tailEnd type="none" w="med" len="med"/>
+                    </a:lnT>
+                    <a:lnB w="12700" cap="flat" cmpd="sng" algn="ctr">
+                      <a:solidFill>
+                        <a:srgbClr val="000000"/>
+                      </a:solidFill>
+                      <a:prstDash val="solid"/>
+                      <a:round/>
+                      <a:headEnd type="none" w="med" len="med"/>
+                      <a:tailEnd type="none" w="med" len="med"/>
+                    </a:lnB>
+                  </a:tcPr>
+                </a:tc>
+                <a:tc>
+                  <a:txBody>
+                    <a:bodyPr/>
+                    <a:lstStyle/>
+                    <a:p>
+                      <a:pPr marL="0" marR="0">
+                        <a:spcBef>
+                          <a:spcPts val="0"/>
+                        </a:spcBef>
+                        <a:spcAft>
+                          <a:spcPts val="0"/>
+                        </a:spcAft>
+                      </a:pPr>
+                      <a:r>
+                        <a:rPr lang="en-US" sz="1200" kern="150">
+                          <a:effectLst/>
+                          <a:latin typeface="Liberation Serif"/>
+                          <a:ea typeface="SimSun"/>
+                          <a:cs typeface="Mangal"/>
+                        </a:rPr>
+                        <a:t>Piezo</a:t>
+                      </a:r>
+                    </a:p>
+                  </a:txBody>
+                  <a:tcPr marL="29991" marR="29991" marT="29991" marB="29991">
+                    <a:lnL w="12700" cap="flat" cmpd="sng" algn="ctr">
+                      <a:solidFill>
+                        <a:srgbClr val="000000"/>
+                      </a:solidFill>
+                      <a:prstDash val="solid"/>
+                      <a:round/>
+                      <a:headEnd type="none" w="med" len="med"/>
+                      <a:tailEnd type="none" w="med" len="med"/>
+                    </a:lnL>
+                    <a:lnR w="12700" cap="flat" cmpd="sng" algn="ctr">
+                      <a:solidFill>
+                        <a:srgbClr val="000000"/>
+                      </a:solidFill>
+                      <a:prstDash val="solid"/>
+                      <a:round/>
+                      <a:headEnd type="none" w="med" len="med"/>
+                      <a:tailEnd type="none" w="med" len="med"/>
+                    </a:lnR>
+                    <a:lnT w="12700" cap="flat" cmpd="sng" algn="ctr">
+                      <a:solidFill>
+                        <a:srgbClr val="000000"/>
+                      </a:solidFill>
+                      <a:prstDash val="solid"/>
+                      <a:round/>
+                      <a:headEnd type="none" w="med" len="med"/>
+                      <a:tailEnd type="none" w="med" len="med"/>
+                    </a:lnT>
+                    <a:lnB w="12700" cap="flat" cmpd="sng" algn="ctr">
+                      <a:solidFill>
+                        <a:srgbClr val="000000"/>
+                      </a:solidFill>
+                      <a:prstDash val="solid"/>
+                      <a:round/>
+                      <a:headEnd type="none" w="med" len="med"/>
+                      <a:tailEnd type="none" w="med" len="med"/>
+                    </a:lnB>
+                  </a:tcPr>
+                </a:tc>
+                <a:tc>
+                  <a:txBody>
+                    <a:bodyPr/>
+                    <a:lstStyle/>
+                    <a:p>
+                      <a:pPr marL="0" marR="0">
+                        <a:spcBef>
+                          <a:spcPts val="0"/>
+                        </a:spcBef>
+                        <a:spcAft>
+                          <a:spcPts val="0"/>
+                        </a:spcAft>
+                      </a:pPr>
+                      <a:r>
+                        <a:rPr lang="en-US" sz="1200" kern="150" dirty="0">
+                          <a:effectLst/>
+                          <a:latin typeface="Liberation Serif"/>
+                          <a:ea typeface="SimSun"/>
+                          <a:cs typeface="Mangal"/>
+                        </a:rPr>
+                        <a:t>Lead Screw</a:t>
+                      </a:r>
+                    </a:p>
+                  </a:txBody>
+                  <a:tcPr marL="29991" marR="29991" marT="29991" marB="29991">
+                    <a:lnL w="12700" cap="flat" cmpd="sng" algn="ctr">
+                      <a:solidFill>
+                        <a:srgbClr val="000000"/>
+                      </a:solidFill>
+                      <a:prstDash val="solid"/>
+                      <a:round/>
+                      <a:headEnd type="none" w="med" len="med"/>
+                      <a:tailEnd type="none" w="med" len="med"/>
+                    </a:lnL>
+                    <a:lnR w="12700" cap="flat" cmpd="sng" algn="ctr">
+                      <a:solidFill>
+                        <a:srgbClr val="000000"/>
+                      </a:solidFill>
+                      <a:prstDash val="solid"/>
+                      <a:round/>
+                      <a:headEnd type="none" w="med" len="med"/>
+                      <a:tailEnd type="none" w="med" len="med"/>
+                    </a:lnR>
+                    <a:lnT w="12700" cap="flat" cmpd="sng" algn="ctr">
+                      <a:solidFill>
+                        <a:srgbClr val="000000"/>
+                      </a:solidFill>
+                      <a:prstDash val="solid"/>
+                      <a:round/>
+                      <a:headEnd type="none" w="med" len="med"/>
+                      <a:tailEnd type="none" w="med" len="med"/>
+                    </a:lnT>
+                    <a:lnB w="12700" cap="flat" cmpd="sng" algn="ctr">
+                      <a:solidFill>
+                        <a:srgbClr val="000000"/>
+                      </a:solidFill>
+                      <a:prstDash val="solid"/>
+                      <a:round/>
+                      <a:headEnd type="none" w="med" len="med"/>
+                      <a:tailEnd type="none" w="med" len="med"/>
+                    </a:lnB>
+                  </a:tcPr>
+                </a:tc>
+              </a:tr>
+              <a:tr h="252121">
+                <a:tc>
+                  <a:txBody>
+                    <a:bodyPr/>
+                    <a:lstStyle/>
+                    <a:p>
+                      <a:pPr marL="0" marR="0">
+                        <a:spcBef>
+                          <a:spcPts val="0"/>
+                        </a:spcBef>
+                        <a:spcAft>
+                          <a:spcPts val="0"/>
+                        </a:spcAft>
+                      </a:pPr>
+                      <a:r>
+                        <a:rPr lang="en-US" sz="1200" kern="150">
+                          <a:effectLst/>
+                          <a:latin typeface="Liberation Serif"/>
+                          <a:ea typeface="SimSun"/>
+                          <a:cs typeface="Mangal"/>
+                        </a:rPr>
+                        <a:t>Precision</a:t>
+                      </a:r>
+                    </a:p>
+                  </a:txBody>
+                  <a:tcPr marL="29991" marR="29991" marT="29991" marB="29991">
+                    <a:lnL w="12700" cap="flat" cmpd="sng" algn="ctr">
+                      <a:solidFill>
+                        <a:srgbClr val="000000"/>
+                      </a:solidFill>
+                      <a:prstDash val="solid"/>
+                      <a:round/>
+                      <a:headEnd type="none" w="med" len="med"/>
+                      <a:tailEnd type="none" w="med" len="med"/>
+                    </a:lnL>
+                    <a:lnR w="12700" cap="flat" cmpd="sng" algn="ctr">
+                      <a:solidFill>
+                        <a:srgbClr val="000000"/>
+                      </a:solidFill>
+                      <a:prstDash val="solid"/>
+                      <a:round/>
+                      <a:headEnd type="none" w="med" len="med"/>
+                      <a:tailEnd type="none" w="med" len="med"/>
+                    </a:lnR>
+                    <a:lnT w="12700" cap="flat" cmpd="sng" algn="ctr">
+                      <a:solidFill>
+                        <a:srgbClr val="000000"/>
+                      </a:solidFill>
+                      <a:prstDash val="solid"/>
+                      <a:round/>
+                      <a:headEnd type="none" w="med" len="med"/>
+                      <a:tailEnd type="none" w="med" len="med"/>
+                    </a:lnT>
+                    <a:lnB w="12700" cap="flat" cmpd="sng" algn="ctr">
+                      <a:solidFill>
+                        <a:srgbClr val="000000"/>
+                      </a:solidFill>
+                      <a:prstDash val="solid"/>
+                      <a:round/>
+                      <a:headEnd type="none" w="med" len="med"/>
+                      <a:tailEnd type="none" w="med" len="med"/>
+                    </a:lnB>
+                  </a:tcPr>
+                </a:tc>
+                <a:tc>
+                  <a:txBody>
+                    <a:bodyPr/>
+                    <a:lstStyle/>
+                    <a:p>
+                      <a:pPr marL="0" marR="0">
+                        <a:spcBef>
+                          <a:spcPts val="0"/>
+                        </a:spcBef>
+                        <a:spcAft>
+                          <a:spcPts val="0"/>
+                        </a:spcAft>
+                      </a:pPr>
+                      <a:r>
+                        <a:rPr lang="en-US" sz="1200" kern="150">
+                          <a:effectLst/>
+                          <a:latin typeface="Liberation Serif"/>
+                          <a:ea typeface="SimSun"/>
+                          <a:cs typeface="Mangal"/>
+                        </a:rPr>
+                        <a:t>0.3 um (datasheet)</a:t>
+                      </a:r>
+                    </a:p>
+                  </a:txBody>
+                  <a:tcPr marL="29991" marR="29991" marT="29991" marB="29991">
+                    <a:lnL w="12700" cap="flat" cmpd="sng" algn="ctr">
+                      <a:solidFill>
+                        <a:srgbClr val="000000"/>
+                      </a:solidFill>
+                      <a:prstDash val="solid"/>
+                      <a:round/>
+                      <a:headEnd type="none" w="med" len="med"/>
+                      <a:tailEnd type="none" w="med" len="med"/>
+                    </a:lnL>
+                    <a:lnR w="12700" cap="flat" cmpd="sng" algn="ctr">
+                      <a:solidFill>
+                        <a:srgbClr val="000000"/>
+                      </a:solidFill>
+                      <a:prstDash val="solid"/>
+                      <a:round/>
+                      <a:headEnd type="none" w="med" len="med"/>
+                      <a:tailEnd type="none" w="med" len="med"/>
+                    </a:lnR>
+                    <a:lnT w="12700" cap="flat" cmpd="sng" algn="ctr">
+                      <a:solidFill>
+                        <a:srgbClr val="000000"/>
+                      </a:solidFill>
+                      <a:prstDash val="solid"/>
+                      <a:round/>
+                      <a:headEnd type="none" w="med" len="med"/>
+                      <a:tailEnd type="none" w="med" len="med"/>
+                    </a:lnT>
+                    <a:lnB w="12700" cap="flat" cmpd="sng" algn="ctr">
+                      <a:solidFill>
+                        <a:srgbClr val="000000"/>
+                      </a:solidFill>
+                      <a:prstDash val="solid"/>
+                      <a:round/>
+                      <a:headEnd type="none" w="med" len="med"/>
+                      <a:tailEnd type="none" w="med" len="med"/>
+                    </a:lnB>
+                  </a:tcPr>
+                </a:tc>
+                <a:tc>
+                  <a:txBody>
+                    <a:bodyPr/>
+                    <a:lstStyle/>
+                    <a:p>
+                      <a:pPr marL="0" marR="0">
+                        <a:spcBef>
+                          <a:spcPts val="0"/>
+                        </a:spcBef>
+                        <a:spcAft>
+                          <a:spcPts val="0"/>
+                        </a:spcAft>
+                      </a:pPr>
+                      <a:r>
+                        <a:rPr lang="en-US" sz="1200" kern="150">
+                          <a:effectLst/>
+                          <a:latin typeface="Liberation Serif"/>
+                          <a:ea typeface="SimSun"/>
+                          <a:cs typeface="Mangal"/>
+                        </a:rPr>
+                        <a:t>1.5 um (computed)</a:t>
+                      </a:r>
+                    </a:p>
+                  </a:txBody>
+                  <a:tcPr marL="29991" marR="29991" marT="29991" marB="29991">
+                    <a:lnL w="12700" cap="flat" cmpd="sng" algn="ctr">
+                      <a:solidFill>
+                        <a:srgbClr val="000000"/>
+                      </a:solidFill>
+                      <a:prstDash val="solid"/>
+                      <a:round/>
+                      <a:headEnd type="none" w="med" len="med"/>
+                      <a:tailEnd type="none" w="med" len="med"/>
+                    </a:lnL>
+                    <a:lnR w="12700" cap="flat" cmpd="sng" algn="ctr">
+                      <a:solidFill>
+                        <a:srgbClr val="000000"/>
+                      </a:solidFill>
+                      <a:prstDash val="solid"/>
+                      <a:round/>
+                      <a:headEnd type="none" w="med" len="med"/>
+                      <a:tailEnd type="none" w="med" len="med"/>
+                    </a:lnR>
+                    <a:lnT w="12700" cap="flat" cmpd="sng" algn="ctr">
+                      <a:solidFill>
+                        <a:srgbClr val="000000"/>
+                      </a:solidFill>
+                      <a:prstDash val="solid"/>
+                      <a:round/>
+                      <a:headEnd type="none" w="med" len="med"/>
+                      <a:tailEnd type="none" w="med" len="med"/>
+                    </a:lnT>
+                    <a:lnB w="12700" cap="flat" cmpd="sng" algn="ctr">
+                      <a:solidFill>
+                        <a:srgbClr val="000000"/>
+                      </a:solidFill>
+                      <a:prstDash val="solid"/>
+                      <a:round/>
+                      <a:headEnd type="none" w="med" len="med"/>
+                      <a:tailEnd type="none" w="med" len="med"/>
+                    </a:lnB>
+                  </a:tcPr>
+                </a:tc>
+              </a:tr>
+              <a:tr h="562558">
+                <a:tc>
+                  <a:txBody>
+                    <a:bodyPr/>
+                    <a:lstStyle/>
+                    <a:p>
+                      <a:pPr marL="0" marR="0">
+                        <a:spcBef>
+                          <a:spcPts val="0"/>
+                        </a:spcBef>
+                        <a:spcAft>
+                          <a:spcPts val="0"/>
+                        </a:spcAft>
+                      </a:pPr>
+                      <a:r>
+                        <a:rPr lang="en-US" sz="1200" kern="150">
+                          <a:effectLst/>
+                          <a:latin typeface="Liberation Serif"/>
+                          <a:ea typeface="SimSun"/>
+                          <a:cs typeface="Mangal"/>
+                        </a:rPr>
+                        <a:t>Stiffness (how much will the weight move around when the bearing is tilted)</a:t>
+                      </a:r>
+                    </a:p>
+                  </a:txBody>
+                  <a:tcPr marL="29991" marR="29991" marT="29991" marB="29991">
+                    <a:lnL w="12700" cap="flat" cmpd="sng" algn="ctr">
+                      <a:solidFill>
+                        <a:srgbClr val="000000"/>
+                      </a:solidFill>
+                      <a:prstDash val="solid"/>
+                      <a:round/>
+                      <a:headEnd type="none" w="med" len="med"/>
+                      <a:tailEnd type="none" w="med" len="med"/>
+                    </a:lnL>
+                    <a:lnR w="12700" cap="flat" cmpd="sng" algn="ctr">
+                      <a:solidFill>
+                        <a:srgbClr val="000000"/>
+                      </a:solidFill>
+                      <a:prstDash val="solid"/>
+                      <a:round/>
+                      <a:headEnd type="none" w="med" len="med"/>
+                      <a:tailEnd type="none" w="med" len="med"/>
+                    </a:lnR>
+                    <a:lnT w="12700" cap="flat" cmpd="sng" algn="ctr">
+                      <a:solidFill>
+                        <a:srgbClr val="000000"/>
+                      </a:solidFill>
+                      <a:prstDash val="solid"/>
+                      <a:round/>
+                      <a:headEnd type="none" w="med" len="med"/>
+                      <a:tailEnd type="none" w="med" len="med"/>
+                    </a:lnT>
+                    <a:lnB w="12700" cap="flat" cmpd="sng" algn="ctr">
+                      <a:solidFill>
+                        <a:srgbClr val="000000"/>
+                      </a:solidFill>
+                      <a:prstDash val="solid"/>
+                      <a:round/>
+                      <a:headEnd type="none" w="med" len="med"/>
+                      <a:tailEnd type="none" w="med" len="med"/>
+                    </a:lnB>
+                  </a:tcPr>
+                </a:tc>
+                <a:tc>
+                  <a:txBody>
+                    <a:bodyPr/>
+                    <a:lstStyle/>
+                    <a:p>
+                      <a:pPr marL="0" marR="0">
+                        <a:spcBef>
+                          <a:spcPts val="0"/>
+                        </a:spcBef>
+                        <a:spcAft>
+                          <a:spcPts val="0"/>
+                        </a:spcAft>
+                      </a:pPr>
+                      <a:r>
+                        <a:rPr lang="en-US" sz="1200" kern="150">
+                          <a:effectLst/>
+                          <a:latin typeface="Liberation Serif"/>
+                          <a:ea typeface="SimSun"/>
+                          <a:cs typeface="Mangal"/>
+                        </a:rPr>
+                        <a:t>4 N/um (about 0.5um deformation with tilt of 30 degrees)</a:t>
+                      </a:r>
+                    </a:p>
+                  </a:txBody>
+                  <a:tcPr marL="29991" marR="29991" marT="29991" marB="29991">
+                    <a:lnL w="12700" cap="flat" cmpd="sng" algn="ctr">
+                      <a:solidFill>
+                        <a:srgbClr val="000000"/>
+                      </a:solidFill>
+                      <a:prstDash val="solid"/>
+                      <a:round/>
+                      <a:headEnd type="none" w="med" len="med"/>
+                      <a:tailEnd type="none" w="med" len="med"/>
+                    </a:lnL>
+                    <a:lnR w="12700" cap="flat" cmpd="sng" algn="ctr">
+                      <a:solidFill>
+                        <a:srgbClr val="000000"/>
+                      </a:solidFill>
+                      <a:prstDash val="solid"/>
+                      <a:round/>
+                      <a:headEnd type="none" w="med" len="med"/>
+                      <a:tailEnd type="none" w="med" len="med"/>
+                    </a:lnR>
+                    <a:lnT w="12700" cap="flat" cmpd="sng" algn="ctr">
+                      <a:solidFill>
+                        <a:srgbClr val="000000"/>
+                      </a:solidFill>
+                      <a:prstDash val="solid"/>
+                      <a:round/>
+                      <a:headEnd type="none" w="med" len="med"/>
+                      <a:tailEnd type="none" w="med" len="med"/>
+                    </a:lnT>
+                    <a:lnB w="12700" cap="flat" cmpd="sng" algn="ctr">
+                      <a:solidFill>
+                        <a:srgbClr val="000000"/>
+                      </a:solidFill>
+                      <a:prstDash val="solid"/>
+                      <a:round/>
+                      <a:headEnd type="none" w="med" len="med"/>
+                      <a:tailEnd type="none" w="med" len="med"/>
+                    </a:lnB>
+                  </a:tcPr>
+                </a:tc>
+                <a:tc>
+                  <a:txBody>
+                    <a:bodyPr/>
+                    <a:lstStyle/>
+                    <a:p>
+                      <a:pPr marL="0" marR="0">
+                        <a:spcBef>
+                          <a:spcPts val="0"/>
+                        </a:spcBef>
+                        <a:spcAft>
+                          <a:spcPts val="0"/>
+                        </a:spcAft>
+                      </a:pPr>
+                      <a:r>
+                        <a:rPr lang="en-US" sz="1200" kern="150" dirty="0" smtClean="0">
+                          <a:effectLst/>
+                          <a:latin typeface="Liberation Serif"/>
+                          <a:ea typeface="SimSun"/>
+                          <a:cs typeface="Mangal"/>
+                        </a:rPr>
+                        <a:t>Small but </a:t>
+                      </a:r>
+                      <a:r>
+                        <a:rPr lang="en-US" sz="1200" kern="150" dirty="0" err="1" smtClean="0">
+                          <a:effectLst/>
+                          <a:latin typeface="Liberation Serif"/>
+                          <a:ea typeface="SimSun"/>
+                          <a:cs typeface="Mangal"/>
+                        </a:rPr>
+                        <a:t>unquantified</a:t>
+                      </a:r>
+                      <a:r>
+                        <a:rPr lang="en-US" sz="1200" kern="150" baseline="0" dirty="0" smtClean="0">
+                          <a:effectLst/>
+                          <a:latin typeface="Liberation Serif"/>
+                          <a:ea typeface="SimSun"/>
+                          <a:cs typeface="Mangal"/>
+                        </a:rPr>
+                        <a:t> (guess a few microns, according to the company)</a:t>
+                      </a:r>
+                      <a:endParaRPr lang="en-US" sz="1200" kern="150" dirty="0">
+                        <a:effectLst/>
+                        <a:latin typeface="Liberation Serif"/>
+                        <a:ea typeface="SimSun"/>
+                        <a:cs typeface="Mangal"/>
+                      </a:endParaRPr>
+                    </a:p>
+                  </a:txBody>
+                  <a:tcPr marL="29991" marR="29991" marT="29991" marB="29991">
+                    <a:lnL w="12700" cap="flat" cmpd="sng" algn="ctr">
+                      <a:solidFill>
+                        <a:srgbClr val="000000"/>
+                      </a:solidFill>
+                      <a:prstDash val="solid"/>
+                      <a:round/>
+                      <a:headEnd type="none" w="med" len="med"/>
+                      <a:tailEnd type="none" w="med" len="med"/>
+                    </a:lnL>
+                    <a:lnR w="12700" cap="flat" cmpd="sng" algn="ctr">
+                      <a:solidFill>
+                        <a:srgbClr val="000000"/>
+                      </a:solidFill>
+                      <a:prstDash val="solid"/>
+                      <a:round/>
+                      <a:headEnd type="none" w="med" len="med"/>
+                      <a:tailEnd type="none" w="med" len="med"/>
+                    </a:lnR>
+                    <a:lnT w="12700" cap="flat" cmpd="sng" algn="ctr">
+                      <a:solidFill>
+                        <a:srgbClr val="000000"/>
+                      </a:solidFill>
+                      <a:prstDash val="solid"/>
+                      <a:round/>
+                      <a:headEnd type="none" w="med" len="med"/>
+                      <a:tailEnd type="none" w="med" len="med"/>
+                    </a:lnT>
+                    <a:lnB w="12700" cap="flat" cmpd="sng" algn="ctr">
+                      <a:solidFill>
+                        <a:srgbClr val="000000"/>
+                      </a:solidFill>
+                      <a:prstDash val="solid"/>
+                      <a:round/>
+                      <a:headEnd type="none" w="med" len="med"/>
+                      <a:tailEnd type="none" w="med" len="med"/>
+                    </a:lnB>
+                  </a:tcPr>
+                </a:tc>
+              </a:tr>
+              <a:tr h="434561">
+                <a:tc>
+                  <a:txBody>
+                    <a:bodyPr/>
+                    <a:lstStyle/>
+                    <a:p>
+                      <a:pPr marL="0" marR="0">
+                        <a:spcBef>
+                          <a:spcPts val="0"/>
+                        </a:spcBef>
+                        <a:spcAft>
+                          <a:spcPts val="0"/>
+                        </a:spcAft>
+                      </a:pPr>
+                      <a:r>
+                        <a:rPr lang="en-US" sz="1200" kern="150">
+                          <a:effectLst/>
+                          <a:latin typeface="Liberation Serif"/>
+                          <a:ea typeface="SimSun"/>
+                          <a:cs typeface="Mangal"/>
+                        </a:rPr>
+                        <a:t>Open loop accuracy</a:t>
+                      </a:r>
+                    </a:p>
+                  </a:txBody>
+                  <a:tcPr marL="29991" marR="29991" marT="29991" marB="29991">
+                    <a:lnL w="12700" cap="flat" cmpd="sng" algn="ctr">
+                      <a:solidFill>
+                        <a:srgbClr val="000000"/>
+                      </a:solidFill>
+                      <a:prstDash val="solid"/>
+                      <a:round/>
+                      <a:headEnd type="none" w="med" len="med"/>
+                      <a:tailEnd type="none" w="med" len="med"/>
+                    </a:lnL>
+                    <a:lnR w="12700" cap="flat" cmpd="sng" algn="ctr">
+                      <a:solidFill>
+                        <a:srgbClr val="000000"/>
+                      </a:solidFill>
+                      <a:prstDash val="solid"/>
+                      <a:round/>
+                      <a:headEnd type="none" w="med" len="med"/>
+                      <a:tailEnd type="none" w="med" len="med"/>
+                    </a:lnR>
+                    <a:lnT w="12700" cap="flat" cmpd="sng" algn="ctr">
+                      <a:solidFill>
+                        <a:srgbClr val="000000"/>
+                      </a:solidFill>
+                      <a:prstDash val="solid"/>
+                      <a:round/>
+                      <a:headEnd type="none" w="med" len="med"/>
+                      <a:tailEnd type="none" w="med" len="med"/>
+                    </a:lnT>
+                    <a:lnB w="12700" cap="flat" cmpd="sng" algn="ctr">
+                      <a:solidFill>
+                        <a:srgbClr val="000000"/>
+                      </a:solidFill>
+                      <a:prstDash val="solid"/>
+                      <a:round/>
+                      <a:headEnd type="none" w="med" len="med"/>
+                      <a:tailEnd type="none" w="med" len="med"/>
+                    </a:lnB>
+                  </a:tcPr>
+                </a:tc>
+                <a:tc>
+                  <a:txBody>
+                    <a:bodyPr/>
+                    <a:lstStyle/>
+                    <a:p>
+                      <a:pPr marL="0" marR="0">
+                        <a:spcBef>
+                          <a:spcPts val="0"/>
+                        </a:spcBef>
+                        <a:spcAft>
+                          <a:spcPts val="0"/>
+                        </a:spcAft>
+                      </a:pPr>
+                      <a:r>
+                        <a:rPr lang="en-US" sz="1200" kern="150" dirty="0" smtClean="0">
+                          <a:effectLst/>
+                          <a:latin typeface="Liberation Serif"/>
+                          <a:ea typeface="SimSun"/>
+                          <a:cs typeface="Mangal"/>
+                        </a:rPr>
+                        <a:t>Not</a:t>
+                      </a:r>
+                      <a:r>
+                        <a:rPr lang="en-US" sz="1200" kern="150" baseline="0" dirty="0" smtClean="0">
+                          <a:effectLst/>
+                          <a:latin typeface="Liberation Serif"/>
+                          <a:ea typeface="SimSun"/>
+                          <a:cs typeface="Mangal"/>
+                        </a:rPr>
+                        <a:t> specified in datasheet</a:t>
+                      </a:r>
+                      <a:r>
+                        <a:rPr lang="en-US" sz="1200" kern="150" dirty="0" smtClean="0">
+                          <a:effectLst/>
+                          <a:latin typeface="Liberation Serif"/>
+                          <a:ea typeface="SimSun"/>
+                          <a:cs typeface="Mangal"/>
+                        </a:rPr>
+                        <a:t> </a:t>
+                      </a:r>
+                      <a:r>
+                        <a:rPr lang="en-US" sz="1200" kern="150" dirty="0">
+                          <a:effectLst/>
+                          <a:latin typeface="Liberation Serif"/>
+                          <a:ea typeface="SimSun"/>
+                          <a:cs typeface="Mangal"/>
+                        </a:rPr>
+                        <a:t>(probably very good)</a:t>
+                      </a:r>
+                    </a:p>
+                  </a:txBody>
+                  <a:tcPr marL="29991" marR="29991" marT="29991" marB="29991">
+                    <a:lnL w="12700" cap="flat" cmpd="sng" algn="ctr">
+                      <a:solidFill>
+                        <a:srgbClr val="000000"/>
+                      </a:solidFill>
+                      <a:prstDash val="solid"/>
+                      <a:round/>
+                      <a:headEnd type="none" w="med" len="med"/>
+                      <a:tailEnd type="none" w="med" len="med"/>
+                    </a:lnL>
+                    <a:lnR w="12700" cap="flat" cmpd="sng" algn="ctr">
+                      <a:solidFill>
+                        <a:srgbClr val="000000"/>
+                      </a:solidFill>
+                      <a:prstDash val="solid"/>
+                      <a:round/>
+                      <a:headEnd type="none" w="med" len="med"/>
+                      <a:tailEnd type="none" w="med" len="med"/>
+                    </a:lnR>
+                    <a:lnT w="12700" cap="flat" cmpd="sng" algn="ctr">
+                      <a:solidFill>
+                        <a:srgbClr val="000000"/>
+                      </a:solidFill>
+                      <a:prstDash val="solid"/>
+                      <a:round/>
+                      <a:headEnd type="none" w="med" len="med"/>
+                      <a:tailEnd type="none" w="med" len="med"/>
+                    </a:lnT>
+                    <a:lnB w="12700" cap="flat" cmpd="sng" algn="ctr">
+                      <a:solidFill>
+                        <a:srgbClr val="000000"/>
+                      </a:solidFill>
+                      <a:prstDash val="solid"/>
+                      <a:round/>
+                      <a:headEnd type="none" w="med" len="med"/>
+                      <a:tailEnd type="none" w="med" len="med"/>
+                    </a:lnB>
+                  </a:tcPr>
+                </a:tc>
+                <a:tc>
+                  <a:txBody>
+                    <a:bodyPr/>
+                    <a:lstStyle/>
+                    <a:p>
+                      <a:pPr marL="0" marR="0">
+                        <a:spcBef>
+                          <a:spcPts val="0"/>
+                        </a:spcBef>
+                        <a:spcAft>
+                          <a:spcPts val="0"/>
+                        </a:spcAft>
+                      </a:pPr>
+                      <a:r>
+                        <a:rPr lang="en-US" sz="1200" kern="150">
+                          <a:effectLst/>
+                          <a:latin typeface="Liberation Serif"/>
+                          <a:ea typeface="SimSun"/>
+                          <a:cs typeface="Mangal"/>
+                        </a:rPr>
+                        <a:t>7.62 um/inch (due to accuracy of lead screw manufacture)</a:t>
+                      </a:r>
+                    </a:p>
+                  </a:txBody>
+                  <a:tcPr marL="29991" marR="29991" marT="29991" marB="29991">
+                    <a:lnL w="12700" cap="flat" cmpd="sng" algn="ctr">
+                      <a:solidFill>
+                        <a:srgbClr val="000000"/>
+                      </a:solidFill>
+                      <a:prstDash val="solid"/>
+                      <a:round/>
+                      <a:headEnd type="none" w="med" len="med"/>
+                      <a:tailEnd type="none" w="med" len="med"/>
+                    </a:lnL>
+                    <a:lnR w="12700" cap="flat" cmpd="sng" algn="ctr">
+                      <a:solidFill>
+                        <a:srgbClr val="000000"/>
+                      </a:solidFill>
+                      <a:prstDash val="solid"/>
+                      <a:round/>
+                      <a:headEnd type="none" w="med" len="med"/>
+                      <a:tailEnd type="none" w="med" len="med"/>
+                    </a:lnR>
+                    <a:lnT w="12700" cap="flat" cmpd="sng" algn="ctr">
+                      <a:solidFill>
+                        <a:srgbClr val="000000"/>
+                      </a:solidFill>
+                      <a:prstDash val="solid"/>
+                      <a:round/>
+                      <a:headEnd type="none" w="med" len="med"/>
+                      <a:tailEnd type="none" w="med" len="med"/>
+                    </a:lnT>
+                    <a:lnB w="12700" cap="flat" cmpd="sng" algn="ctr">
+                      <a:solidFill>
+                        <a:srgbClr val="000000"/>
+                      </a:solidFill>
+                      <a:prstDash val="solid"/>
+                      <a:round/>
+                      <a:headEnd type="none" w="med" len="med"/>
+                      <a:tailEnd type="none" w="med" len="med"/>
+                    </a:lnB>
+                  </a:tcPr>
+                </a:tc>
+              </a:tr>
+              <a:tr h="799439">
+                <a:tc>
+                  <a:txBody>
+                    <a:bodyPr/>
+                    <a:lstStyle/>
+                    <a:p>
+                      <a:pPr marL="0" marR="0">
+                        <a:spcBef>
+                          <a:spcPts val="0"/>
+                        </a:spcBef>
+                        <a:spcAft>
+                          <a:spcPts val="0"/>
+                        </a:spcAft>
+                      </a:pPr>
+                      <a:r>
+                        <a:rPr lang="en-US" sz="1200" kern="150" dirty="0">
+                          <a:effectLst/>
+                          <a:latin typeface="Liberation Serif"/>
+                          <a:ea typeface="SimSun"/>
+                          <a:cs typeface="Mangal"/>
+                        </a:rPr>
+                        <a:t>Max Unbalance </a:t>
+                      </a:r>
+                      <a:r>
+                        <a:rPr lang="en-US" sz="1200" kern="150" dirty="0" smtClean="0">
+                          <a:effectLst/>
+                          <a:latin typeface="Liberation Serif"/>
+                          <a:ea typeface="SimSun"/>
+                          <a:cs typeface="Mangal"/>
+                        </a:rPr>
+                        <a:t>Torque with 500g weight</a:t>
+                      </a:r>
+                      <a:endParaRPr lang="en-US" sz="1200" kern="150" dirty="0">
+                        <a:effectLst/>
+                        <a:latin typeface="Liberation Serif"/>
+                        <a:ea typeface="SimSun"/>
+                        <a:cs typeface="Mangal"/>
+                      </a:endParaRPr>
+                    </a:p>
+                    <a:p>
+                      <a:pPr marL="0" marR="0">
+                        <a:spcBef>
+                          <a:spcPts val="0"/>
+                        </a:spcBef>
+                        <a:spcAft>
+                          <a:spcPts val="0"/>
+                        </a:spcAft>
+                      </a:pPr>
+                      <a:r>
+                        <a:rPr lang="en-US" sz="1200" kern="150" dirty="0">
+                          <a:effectLst/>
+                          <a:latin typeface="Liberation Serif"/>
+                          <a:ea typeface="SimSun"/>
+                          <a:cs typeface="Mangal"/>
+                        </a:rPr>
+                        <a:t>(assuming we were using perfect sensors for the balancing)</a:t>
+                      </a:r>
+                    </a:p>
+                  </a:txBody>
+                  <a:tcPr marL="29991" marR="29991" marT="29991" marB="29991">
+                    <a:lnL w="12700" cap="flat" cmpd="sng" algn="ctr">
+                      <a:solidFill>
+                        <a:srgbClr val="000000"/>
+                      </a:solidFill>
+                      <a:prstDash val="solid"/>
+                      <a:round/>
+                      <a:headEnd type="none" w="med" len="med"/>
+                      <a:tailEnd type="none" w="med" len="med"/>
+                    </a:lnL>
+                    <a:lnR w="12700" cap="flat" cmpd="sng" algn="ctr">
+                      <a:solidFill>
+                        <a:srgbClr val="000000"/>
+                      </a:solidFill>
+                      <a:prstDash val="solid"/>
+                      <a:round/>
+                      <a:headEnd type="none" w="med" len="med"/>
+                      <a:tailEnd type="none" w="med" len="med"/>
+                    </a:lnR>
+                    <a:lnT w="12700" cap="flat" cmpd="sng" algn="ctr">
+                      <a:solidFill>
+                        <a:srgbClr val="000000"/>
+                      </a:solidFill>
+                      <a:prstDash val="solid"/>
+                      <a:round/>
+                      <a:headEnd type="none" w="med" len="med"/>
+                      <a:tailEnd type="none" w="med" len="med"/>
+                    </a:lnT>
+                    <a:lnB w="12700" cap="flat" cmpd="sng" algn="ctr">
+                      <a:solidFill>
+                        <a:srgbClr val="000000"/>
+                      </a:solidFill>
+                      <a:prstDash val="solid"/>
+                      <a:round/>
+                      <a:headEnd type="none" w="med" len="med"/>
+                      <a:tailEnd type="none" w="med" len="med"/>
+                    </a:lnB>
+                  </a:tcPr>
+                </a:tc>
+                <a:tc>
+                  <a:txBody>
+                    <a:bodyPr/>
+                    <a:lstStyle/>
+                    <a:p>
+                      <a:pPr marL="0" marR="0">
+                        <a:spcBef>
+                          <a:spcPts val="0"/>
+                        </a:spcBef>
+                        <a:spcAft>
+                          <a:spcPts val="0"/>
+                        </a:spcAft>
+                      </a:pPr>
+                      <a:r>
+                        <a:rPr lang="en-US" sz="1200" kern="150">
+                          <a:effectLst/>
+                          <a:latin typeface="Liberation Serif"/>
+                          <a:ea typeface="SimSun"/>
+                          <a:cs typeface="Mangal"/>
+                        </a:rPr>
+                        <a:t>1.5 uNm (about 1/1000th of reaction wheel torque)</a:t>
+                      </a:r>
+                    </a:p>
+                  </a:txBody>
+                  <a:tcPr marL="29991" marR="29991" marT="29991" marB="29991">
+                    <a:lnL w="12700" cap="flat" cmpd="sng" algn="ctr">
+                      <a:solidFill>
+                        <a:srgbClr val="000000"/>
+                      </a:solidFill>
+                      <a:prstDash val="solid"/>
+                      <a:round/>
+                      <a:headEnd type="none" w="med" len="med"/>
+                      <a:tailEnd type="none" w="med" len="med"/>
+                    </a:lnL>
+                    <a:lnR w="12700" cap="flat" cmpd="sng" algn="ctr">
+                      <a:solidFill>
+                        <a:srgbClr val="000000"/>
+                      </a:solidFill>
+                      <a:prstDash val="solid"/>
+                      <a:round/>
+                      <a:headEnd type="none" w="med" len="med"/>
+                      <a:tailEnd type="none" w="med" len="med"/>
+                    </a:lnR>
+                    <a:lnT w="12700" cap="flat" cmpd="sng" algn="ctr">
+                      <a:solidFill>
+                        <a:srgbClr val="000000"/>
+                      </a:solidFill>
+                      <a:prstDash val="solid"/>
+                      <a:round/>
+                      <a:headEnd type="none" w="med" len="med"/>
+                      <a:tailEnd type="none" w="med" len="med"/>
+                    </a:lnT>
+                    <a:lnB w="12700" cap="flat" cmpd="sng" algn="ctr">
+                      <a:solidFill>
+                        <a:srgbClr val="000000"/>
+                      </a:solidFill>
+                      <a:prstDash val="solid"/>
+                      <a:round/>
+                      <a:headEnd type="none" w="med" len="med"/>
+                      <a:tailEnd type="none" w="med" len="med"/>
+                    </a:lnB>
+                  </a:tcPr>
+                </a:tc>
+                <a:tc>
+                  <a:txBody>
+                    <a:bodyPr/>
+                    <a:lstStyle/>
+                    <a:p>
+                      <a:pPr marL="0" marR="0">
+                        <a:spcBef>
+                          <a:spcPts val="0"/>
+                        </a:spcBef>
+                        <a:spcAft>
+                          <a:spcPts val="0"/>
+                        </a:spcAft>
+                      </a:pPr>
+                      <a:r>
+                        <a:rPr lang="en-US" sz="1200" kern="150">
+                          <a:effectLst/>
+                          <a:latin typeface="Liberation Serif"/>
+                          <a:ea typeface="SimSun"/>
+                          <a:cs typeface="Mangal"/>
+                        </a:rPr>
+                        <a:t>7.5 uNm (about 1/200th of reaction wheel torque)</a:t>
+                      </a:r>
+                    </a:p>
+                  </a:txBody>
+                  <a:tcPr marL="29991" marR="29991" marT="29991" marB="29991">
+                    <a:lnL w="12700" cap="flat" cmpd="sng" algn="ctr">
+                      <a:solidFill>
+                        <a:srgbClr val="000000"/>
+                      </a:solidFill>
+                      <a:prstDash val="solid"/>
+                      <a:round/>
+                      <a:headEnd type="none" w="med" len="med"/>
+                      <a:tailEnd type="none" w="med" len="med"/>
+                    </a:lnL>
+                    <a:lnR w="12700" cap="flat" cmpd="sng" algn="ctr">
+                      <a:solidFill>
+                        <a:srgbClr val="000000"/>
+                      </a:solidFill>
+                      <a:prstDash val="solid"/>
+                      <a:round/>
+                      <a:headEnd type="none" w="med" len="med"/>
+                      <a:tailEnd type="none" w="med" len="med"/>
+                    </a:lnR>
+                    <a:lnT w="12700" cap="flat" cmpd="sng" algn="ctr">
+                      <a:solidFill>
+                        <a:srgbClr val="000000"/>
+                      </a:solidFill>
+                      <a:prstDash val="solid"/>
+                      <a:round/>
+                      <a:headEnd type="none" w="med" len="med"/>
+                      <a:tailEnd type="none" w="med" len="med"/>
+                    </a:lnT>
+                    <a:lnB w="12700" cap="flat" cmpd="sng" algn="ctr">
+                      <a:solidFill>
+                        <a:srgbClr val="000000"/>
+                      </a:solidFill>
+                      <a:prstDash val="solid"/>
+                      <a:round/>
+                      <a:headEnd type="none" w="med" len="med"/>
+                      <a:tailEnd type="none" w="med" len="med"/>
+                    </a:lnB>
+                  </a:tcPr>
+                </a:tc>
+              </a:tr>
+              <a:tr h="1164317">
+                <a:tc>
+                  <a:txBody>
+                    <a:bodyPr/>
+                    <a:lstStyle/>
+                    <a:p>
+                      <a:pPr marL="0" marR="0">
+                        <a:spcBef>
+                          <a:spcPts val="0"/>
+                        </a:spcBef>
+                        <a:spcAft>
+                          <a:spcPts val="0"/>
+                        </a:spcAft>
+                      </a:pPr>
+                      <a:r>
+                        <a:rPr lang="en-US" sz="1200" kern="150" dirty="0">
+                          <a:effectLst/>
+                          <a:latin typeface="Liberation Serif"/>
+                          <a:ea typeface="SimSun"/>
+                          <a:cs typeface="Mangal"/>
+                        </a:rPr>
+                        <a:t>Size (qualitative comparison)</a:t>
+                      </a:r>
+                    </a:p>
+                  </a:txBody>
+                  <a:tcPr marL="29991" marR="29991" marT="29991" marB="29991">
+                    <a:lnL w="12700" cap="flat" cmpd="sng" algn="ctr">
+                      <a:solidFill>
+                        <a:srgbClr val="000000"/>
+                      </a:solidFill>
+                      <a:prstDash val="solid"/>
+                      <a:round/>
+                      <a:headEnd type="none" w="med" len="med"/>
+                      <a:tailEnd type="none" w="med" len="med"/>
+                    </a:lnL>
+                    <a:lnR w="12700" cap="flat" cmpd="sng" algn="ctr">
+                      <a:solidFill>
+                        <a:srgbClr val="000000"/>
+                      </a:solidFill>
+                      <a:prstDash val="solid"/>
+                      <a:round/>
+                      <a:headEnd type="none" w="med" len="med"/>
+                      <a:tailEnd type="none" w="med" len="med"/>
+                    </a:lnR>
+                    <a:lnT w="12700" cap="flat" cmpd="sng" algn="ctr">
+                      <a:solidFill>
+                        <a:srgbClr val="000000"/>
+                      </a:solidFill>
+                      <a:prstDash val="solid"/>
+                      <a:round/>
+                      <a:headEnd type="none" w="med" len="med"/>
+                      <a:tailEnd type="none" w="med" len="med"/>
+                    </a:lnT>
+                    <a:lnB w="12700" cap="flat" cmpd="sng" algn="ctr">
+                      <a:solidFill>
+                        <a:srgbClr val="000000"/>
+                      </a:solidFill>
+                      <a:prstDash val="solid"/>
+                      <a:round/>
+                      <a:headEnd type="none" w="med" len="med"/>
+                      <a:tailEnd type="none" w="med" len="med"/>
+                    </a:lnB>
+                  </a:tcPr>
+                </a:tc>
+                <a:tc>
+                  <a:txBody>
+                    <a:bodyPr/>
+                    <a:lstStyle/>
+                    <a:p>
+                      <a:pPr marL="0" marR="0">
+                        <a:spcBef>
+                          <a:spcPts val="0"/>
+                        </a:spcBef>
+                        <a:spcAft>
+                          <a:spcPts val="0"/>
+                        </a:spcAft>
+                      </a:pPr>
+                      <a:r>
+                        <a:rPr lang="en-US" sz="1200" kern="150">
+                          <a:effectLst/>
+                          <a:latin typeface="Liberation Serif"/>
+                          <a:ea typeface="SimSun"/>
+                          <a:cs typeface="Mangal"/>
+                        </a:rPr>
+                        <a:t> </a:t>
+                      </a:r>
+                    </a:p>
+                  </a:txBody>
+                  <a:tcPr marL="29991" marR="29991" marT="29991" marB="29991">
+                    <a:lnL w="12700" cap="flat" cmpd="sng" algn="ctr">
+                      <a:solidFill>
+                        <a:srgbClr val="000000"/>
+                      </a:solidFill>
+                      <a:prstDash val="solid"/>
+                      <a:round/>
+                      <a:headEnd type="none" w="med" len="med"/>
+                      <a:tailEnd type="none" w="med" len="med"/>
+                    </a:lnL>
+                    <a:lnR w="12700" cap="flat" cmpd="sng" algn="ctr">
+                      <a:solidFill>
+                        <a:srgbClr val="000000"/>
+                      </a:solidFill>
+                      <a:prstDash val="solid"/>
+                      <a:round/>
+                      <a:headEnd type="none" w="med" len="med"/>
+                      <a:tailEnd type="none" w="med" len="med"/>
+                    </a:lnR>
+                    <a:lnT w="12700" cap="flat" cmpd="sng" algn="ctr">
+                      <a:solidFill>
+                        <a:srgbClr val="000000"/>
+                      </a:solidFill>
+                      <a:prstDash val="solid"/>
+                      <a:round/>
+                      <a:headEnd type="none" w="med" len="med"/>
+                      <a:tailEnd type="none" w="med" len="med"/>
+                    </a:lnT>
+                    <a:lnB w="12700" cap="flat" cmpd="sng" algn="ctr">
+                      <a:solidFill>
+                        <a:srgbClr val="000000"/>
+                      </a:solidFill>
+                      <a:prstDash val="solid"/>
+                      <a:round/>
+                      <a:headEnd type="none" w="med" len="med"/>
+                      <a:tailEnd type="none" w="med" len="med"/>
+                    </a:lnB>
+                  </a:tcPr>
+                </a:tc>
+                <a:tc>
+                  <a:txBody>
+                    <a:bodyPr/>
+                    <a:lstStyle/>
+                    <a:p>
+                      <a:pPr marL="0" marR="0">
+                        <a:spcBef>
+                          <a:spcPts val="0"/>
+                        </a:spcBef>
+                        <a:spcAft>
+                          <a:spcPts val="0"/>
+                        </a:spcAft>
+                      </a:pPr>
+                      <a:r>
+                        <a:rPr lang="en-US" sz="1200" kern="150" dirty="0">
+                          <a:effectLst/>
+                          <a:latin typeface="Liberation Serif"/>
+                          <a:ea typeface="SimSun"/>
+                          <a:cs typeface="Mangal"/>
+                        </a:rPr>
+                        <a:t>For the same throw this would be an inch or two longer than the </a:t>
+                      </a:r>
+                      <a:r>
+                        <a:rPr lang="en-US" sz="1200" kern="150" dirty="0" err="1">
+                          <a:effectLst/>
+                          <a:latin typeface="Liberation Serif"/>
+                          <a:ea typeface="SimSun"/>
+                          <a:cs typeface="Mangal"/>
+                        </a:rPr>
+                        <a:t>Piezo</a:t>
+                      </a:r>
+                      <a:r>
+                        <a:rPr lang="en-US" sz="1200" kern="150" dirty="0">
+                          <a:effectLst/>
+                          <a:latin typeface="Liberation Serif"/>
+                          <a:ea typeface="SimSun"/>
+                          <a:cs typeface="Mangal"/>
+                        </a:rPr>
+                        <a:t> approach, but would not require room at the back for the shaft. Other dimensions similar</a:t>
+                      </a:r>
+                    </a:p>
+                  </a:txBody>
+                  <a:tcPr marL="29991" marR="29991" marT="29991" marB="29991">
+                    <a:lnL w="12700" cap="flat" cmpd="sng" algn="ctr">
+                      <a:solidFill>
+                        <a:srgbClr val="000000"/>
+                      </a:solidFill>
+                      <a:prstDash val="solid"/>
+                      <a:round/>
+                      <a:headEnd type="none" w="med" len="med"/>
+                      <a:tailEnd type="none" w="med" len="med"/>
+                    </a:lnL>
+                    <a:lnR w="12700" cap="flat" cmpd="sng" algn="ctr">
+                      <a:solidFill>
+                        <a:srgbClr val="000000"/>
+                      </a:solidFill>
+                      <a:prstDash val="solid"/>
+                      <a:round/>
+                      <a:headEnd type="none" w="med" len="med"/>
+                      <a:tailEnd type="none" w="med" len="med"/>
+                    </a:lnR>
+                    <a:lnT w="12700" cap="flat" cmpd="sng" algn="ctr">
+                      <a:solidFill>
+                        <a:srgbClr val="000000"/>
+                      </a:solidFill>
+                      <a:prstDash val="solid"/>
+                      <a:round/>
+                      <a:headEnd type="none" w="med" len="med"/>
+                      <a:tailEnd type="none" w="med" len="med"/>
+                    </a:lnT>
+                    <a:lnB w="12700" cap="flat" cmpd="sng" algn="ctr">
+                      <a:solidFill>
+                        <a:srgbClr val="000000"/>
+                      </a:solidFill>
+                      <a:prstDash val="solid"/>
+                      <a:round/>
+                      <a:headEnd type="none" w="med" len="med"/>
+                      <a:tailEnd type="none" w="med" len="med"/>
+                    </a:lnB>
+                  </a:tcPr>
+                </a:tc>
+              </a:tr>
+              <a:tr h="434561">
+                <a:tc>
+                  <a:txBody>
+                    <a:bodyPr/>
+                    <a:lstStyle/>
+                    <a:p>
+                      <a:pPr marL="0" marR="0">
+                        <a:spcBef>
+                          <a:spcPts val="0"/>
+                        </a:spcBef>
+                        <a:spcAft>
+                          <a:spcPts val="0"/>
+                        </a:spcAft>
+                      </a:pPr>
+                      <a:r>
+                        <a:rPr lang="en-US" sz="1200" kern="150">
+                          <a:effectLst/>
+                          <a:latin typeface="Liberation Serif"/>
+                          <a:ea typeface="SimSun"/>
+                          <a:cs typeface="Mangal"/>
+                        </a:rPr>
+                        <a:t>Weight (qualitative comparison)</a:t>
+                      </a:r>
+                    </a:p>
+                  </a:txBody>
+                  <a:tcPr marL="29991" marR="29991" marT="29991" marB="29991">
+                    <a:lnL w="12700" cap="flat" cmpd="sng" algn="ctr">
+                      <a:solidFill>
+                        <a:srgbClr val="000000"/>
+                      </a:solidFill>
+                      <a:prstDash val="solid"/>
+                      <a:round/>
+                      <a:headEnd type="none" w="med" len="med"/>
+                      <a:tailEnd type="none" w="med" len="med"/>
+                    </a:lnL>
+                    <a:lnR w="12700" cap="flat" cmpd="sng" algn="ctr">
+                      <a:solidFill>
+                        <a:srgbClr val="000000"/>
+                      </a:solidFill>
+                      <a:prstDash val="solid"/>
+                      <a:round/>
+                      <a:headEnd type="none" w="med" len="med"/>
+                      <a:tailEnd type="none" w="med" len="med"/>
+                    </a:lnR>
+                    <a:lnT w="12700" cap="flat" cmpd="sng" algn="ctr">
+                      <a:solidFill>
+                        <a:srgbClr val="000000"/>
+                      </a:solidFill>
+                      <a:prstDash val="solid"/>
+                      <a:round/>
+                      <a:headEnd type="none" w="med" len="med"/>
+                      <a:tailEnd type="none" w="med" len="med"/>
+                    </a:lnT>
+                    <a:lnB w="12700" cap="flat" cmpd="sng" algn="ctr">
+                      <a:solidFill>
+                        <a:srgbClr val="000000"/>
+                      </a:solidFill>
+                      <a:prstDash val="solid"/>
+                      <a:round/>
+                      <a:headEnd type="none" w="med" len="med"/>
+                      <a:tailEnd type="none" w="med" len="med"/>
+                    </a:lnB>
+                  </a:tcPr>
+                </a:tc>
+                <a:tc>
+                  <a:txBody>
+                    <a:bodyPr/>
+                    <a:lstStyle/>
+                    <a:p>
+                      <a:pPr marL="0" marR="0">
+                        <a:spcBef>
+                          <a:spcPts val="0"/>
+                        </a:spcBef>
+                        <a:spcAft>
+                          <a:spcPts val="0"/>
+                        </a:spcAft>
+                      </a:pPr>
+                      <a:r>
+                        <a:rPr lang="en-US" sz="1200" kern="150">
+                          <a:effectLst/>
+                          <a:latin typeface="Liberation Serif"/>
+                          <a:ea typeface="SimSun"/>
+                          <a:cs typeface="Mangal"/>
+                        </a:rPr>
+                        <a:t> </a:t>
+                      </a:r>
+                    </a:p>
+                  </a:txBody>
+                  <a:tcPr marL="29991" marR="29991" marT="29991" marB="29991">
+                    <a:lnL w="12700" cap="flat" cmpd="sng" algn="ctr">
+                      <a:solidFill>
+                        <a:srgbClr val="000000"/>
+                      </a:solidFill>
+                      <a:prstDash val="solid"/>
+                      <a:round/>
+                      <a:headEnd type="none" w="med" len="med"/>
+                      <a:tailEnd type="none" w="med" len="med"/>
+                    </a:lnL>
+                    <a:lnR w="12700" cap="flat" cmpd="sng" algn="ctr">
+                      <a:solidFill>
+                        <a:srgbClr val="000000"/>
+                      </a:solidFill>
+                      <a:prstDash val="solid"/>
+                      <a:round/>
+                      <a:headEnd type="none" w="med" len="med"/>
+                      <a:tailEnd type="none" w="med" len="med"/>
+                    </a:lnR>
+                    <a:lnT w="12700" cap="flat" cmpd="sng" algn="ctr">
+                      <a:solidFill>
+                        <a:srgbClr val="000000"/>
+                      </a:solidFill>
+                      <a:prstDash val="solid"/>
+                      <a:round/>
+                      <a:headEnd type="none" w="med" len="med"/>
+                      <a:tailEnd type="none" w="med" len="med"/>
+                    </a:lnT>
+                    <a:lnB w="12700" cap="flat" cmpd="sng" algn="ctr">
+                      <a:solidFill>
+                        <a:srgbClr val="000000"/>
+                      </a:solidFill>
+                      <a:prstDash val="solid"/>
+                      <a:round/>
+                      <a:headEnd type="none" w="med" len="med"/>
+                      <a:tailEnd type="none" w="med" len="med"/>
+                    </a:lnB>
+                  </a:tcPr>
+                </a:tc>
+                <a:tc>
+                  <a:txBody>
+                    <a:bodyPr/>
+                    <a:lstStyle/>
+                    <a:p>
+                      <a:pPr marL="0" marR="0">
+                        <a:spcBef>
+                          <a:spcPts val="0"/>
+                        </a:spcBef>
+                        <a:spcAft>
+                          <a:spcPts val="0"/>
+                        </a:spcAft>
+                      </a:pPr>
+                      <a:r>
+                        <a:rPr lang="en-US" sz="1200" kern="150">
+                          <a:effectLst/>
+                          <a:latin typeface="Liberation Serif"/>
+                          <a:ea typeface="SimSun"/>
+                          <a:cs typeface="Mangal"/>
+                        </a:rPr>
+                        <a:t>Slightly heavier (10%-20%)</a:t>
+                      </a:r>
+                    </a:p>
+                  </a:txBody>
+                  <a:tcPr marL="29991" marR="29991" marT="29991" marB="29991">
+                    <a:lnL w="12700" cap="flat" cmpd="sng" algn="ctr">
+                      <a:solidFill>
+                        <a:srgbClr val="000000"/>
+                      </a:solidFill>
+                      <a:prstDash val="solid"/>
+                      <a:round/>
+                      <a:headEnd type="none" w="med" len="med"/>
+                      <a:tailEnd type="none" w="med" len="med"/>
+                    </a:lnL>
+                    <a:lnR w="12700" cap="flat" cmpd="sng" algn="ctr">
+                      <a:solidFill>
+                        <a:srgbClr val="000000"/>
+                      </a:solidFill>
+                      <a:prstDash val="solid"/>
+                      <a:round/>
+                      <a:headEnd type="none" w="med" len="med"/>
+                      <a:tailEnd type="none" w="med" len="med"/>
+                    </a:lnR>
+                    <a:lnT w="12700" cap="flat" cmpd="sng" algn="ctr">
+                      <a:solidFill>
+                        <a:srgbClr val="000000"/>
+                      </a:solidFill>
+                      <a:prstDash val="solid"/>
+                      <a:round/>
+                      <a:headEnd type="none" w="med" len="med"/>
+                      <a:tailEnd type="none" w="med" len="med"/>
+                    </a:lnT>
+                    <a:lnB w="12700" cap="flat" cmpd="sng" algn="ctr">
+                      <a:solidFill>
+                        <a:srgbClr val="000000"/>
+                      </a:solidFill>
+                      <a:prstDash val="solid"/>
+                      <a:round/>
+                      <a:headEnd type="none" w="med" len="med"/>
+                      <a:tailEnd type="none" w="med" len="med"/>
+                    </a:lnB>
+                  </a:tcPr>
+                </a:tc>
+              </a:tr>
+              <a:tr h="252121">
+                <a:tc>
+                  <a:txBody>
+                    <a:bodyPr/>
+                    <a:lstStyle/>
+                    <a:p>
+                      <a:pPr marL="0" marR="0">
+                        <a:spcBef>
+                          <a:spcPts val="0"/>
+                        </a:spcBef>
+                        <a:spcAft>
+                          <a:spcPts val="0"/>
+                        </a:spcAft>
+                      </a:pPr>
+                      <a:r>
+                        <a:rPr lang="en-US" sz="1200" kern="150">
+                          <a:effectLst/>
+                          <a:latin typeface="Liberation Serif"/>
+                          <a:ea typeface="SimSun"/>
+                          <a:cs typeface="Mangal"/>
+                        </a:rPr>
+                        <a:t>Maximum throw</a:t>
+                      </a:r>
+                    </a:p>
+                  </a:txBody>
+                  <a:tcPr marL="29991" marR="29991" marT="29991" marB="29991">
+                    <a:lnL w="12700" cap="flat" cmpd="sng" algn="ctr">
+                      <a:solidFill>
+                        <a:srgbClr val="000000"/>
+                      </a:solidFill>
+                      <a:prstDash val="solid"/>
+                      <a:round/>
+                      <a:headEnd type="none" w="med" len="med"/>
+                      <a:tailEnd type="none" w="med" len="med"/>
+                    </a:lnL>
+                    <a:lnR w="12700" cap="flat" cmpd="sng" algn="ctr">
+                      <a:solidFill>
+                        <a:srgbClr val="000000"/>
+                      </a:solidFill>
+                      <a:prstDash val="solid"/>
+                      <a:round/>
+                      <a:headEnd type="none" w="med" len="med"/>
+                      <a:tailEnd type="none" w="med" len="med"/>
+                    </a:lnR>
+                    <a:lnT w="12700" cap="flat" cmpd="sng" algn="ctr">
+                      <a:solidFill>
+                        <a:srgbClr val="000000"/>
+                      </a:solidFill>
+                      <a:prstDash val="solid"/>
+                      <a:round/>
+                      <a:headEnd type="none" w="med" len="med"/>
+                      <a:tailEnd type="none" w="med" len="med"/>
+                    </a:lnT>
+                    <a:lnB w="12700" cap="flat" cmpd="sng" algn="ctr">
+                      <a:solidFill>
+                        <a:srgbClr val="000000"/>
+                      </a:solidFill>
+                      <a:prstDash val="solid"/>
+                      <a:round/>
+                      <a:headEnd type="none" w="med" len="med"/>
+                      <a:tailEnd type="none" w="med" len="med"/>
+                    </a:lnB>
+                  </a:tcPr>
+                </a:tc>
+                <a:tc>
+                  <a:txBody>
+                    <a:bodyPr/>
+                    <a:lstStyle/>
+                    <a:p>
+                      <a:pPr marL="0" marR="0">
+                        <a:spcBef>
+                          <a:spcPts val="0"/>
+                        </a:spcBef>
+                        <a:spcAft>
+                          <a:spcPts val="0"/>
+                        </a:spcAft>
+                      </a:pPr>
+                      <a:r>
+                        <a:rPr lang="en-US" sz="1200" kern="150">
+                          <a:effectLst/>
+                          <a:latin typeface="Liberation Serif"/>
+                          <a:ea typeface="SimSun"/>
+                          <a:cs typeface="Mangal"/>
+                        </a:rPr>
+                        <a:t>3.5cm</a:t>
+                      </a:r>
+                    </a:p>
+                  </a:txBody>
+                  <a:tcPr marL="29991" marR="29991" marT="29991" marB="29991">
+                    <a:lnL w="12700" cap="flat" cmpd="sng" algn="ctr">
+                      <a:solidFill>
+                        <a:srgbClr val="000000"/>
+                      </a:solidFill>
+                      <a:prstDash val="solid"/>
+                      <a:round/>
+                      <a:headEnd type="none" w="med" len="med"/>
+                      <a:tailEnd type="none" w="med" len="med"/>
+                    </a:lnL>
+                    <a:lnR w="12700" cap="flat" cmpd="sng" algn="ctr">
+                      <a:solidFill>
+                        <a:srgbClr val="000000"/>
+                      </a:solidFill>
+                      <a:prstDash val="solid"/>
+                      <a:round/>
+                      <a:headEnd type="none" w="med" len="med"/>
+                      <a:tailEnd type="none" w="med" len="med"/>
+                    </a:lnR>
+                    <a:lnT w="12700" cap="flat" cmpd="sng" algn="ctr">
+                      <a:solidFill>
+                        <a:srgbClr val="000000"/>
+                      </a:solidFill>
+                      <a:prstDash val="solid"/>
+                      <a:round/>
+                      <a:headEnd type="none" w="med" len="med"/>
+                      <a:tailEnd type="none" w="med" len="med"/>
+                    </a:lnT>
+                    <a:lnB w="12700" cap="flat" cmpd="sng" algn="ctr">
+                      <a:solidFill>
+                        <a:srgbClr val="000000"/>
+                      </a:solidFill>
+                      <a:prstDash val="solid"/>
+                      <a:round/>
+                      <a:headEnd type="none" w="med" len="med"/>
+                      <a:tailEnd type="none" w="med" len="med"/>
+                    </a:lnB>
+                  </a:tcPr>
+                </a:tc>
+                <a:tc>
+                  <a:txBody>
+                    <a:bodyPr/>
+                    <a:lstStyle/>
+                    <a:p>
+                      <a:pPr marL="0" marR="0">
+                        <a:spcBef>
+                          <a:spcPts val="0"/>
+                        </a:spcBef>
+                        <a:spcAft>
+                          <a:spcPts val="0"/>
+                        </a:spcAft>
+                      </a:pPr>
+                      <a:r>
+                        <a:rPr lang="en-US" sz="1200" kern="150">
+                          <a:effectLst/>
+                          <a:latin typeface="Liberation Serif"/>
+                          <a:ea typeface="SimSun"/>
+                          <a:cs typeface="Mangal"/>
+                        </a:rPr>
+                        <a:t>Several feet</a:t>
+                      </a:r>
+                    </a:p>
+                  </a:txBody>
+                  <a:tcPr marL="29991" marR="29991" marT="29991" marB="29991">
+                    <a:lnL w="12700" cap="flat" cmpd="sng" algn="ctr">
+                      <a:solidFill>
+                        <a:srgbClr val="000000"/>
+                      </a:solidFill>
+                      <a:prstDash val="solid"/>
+                      <a:round/>
+                      <a:headEnd type="none" w="med" len="med"/>
+                      <a:tailEnd type="none" w="med" len="med"/>
+                    </a:lnL>
+                    <a:lnR w="12700" cap="flat" cmpd="sng" algn="ctr">
+                      <a:solidFill>
+                        <a:srgbClr val="000000"/>
+                      </a:solidFill>
+                      <a:prstDash val="solid"/>
+                      <a:round/>
+                      <a:headEnd type="none" w="med" len="med"/>
+                      <a:tailEnd type="none" w="med" len="med"/>
+                    </a:lnR>
+                    <a:lnT w="12700" cap="flat" cmpd="sng" algn="ctr">
+                      <a:solidFill>
+                        <a:srgbClr val="000000"/>
+                      </a:solidFill>
+                      <a:prstDash val="solid"/>
+                      <a:round/>
+                      <a:headEnd type="none" w="med" len="med"/>
+                      <a:tailEnd type="none" w="med" len="med"/>
+                    </a:lnT>
+                    <a:lnB w="12700" cap="flat" cmpd="sng" algn="ctr">
+                      <a:solidFill>
+                        <a:srgbClr val="000000"/>
+                      </a:solidFill>
+                      <a:prstDash val="solid"/>
+                      <a:round/>
+                      <a:headEnd type="none" w="med" len="med"/>
+                      <a:tailEnd type="none" w="med" len="med"/>
+                    </a:lnB>
+                  </a:tcPr>
+                </a:tc>
+              </a:tr>
+              <a:tr h="252121">
+                <a:tc>
+                  <a:txBody>
+                    <a:bodyPr/>
+                    <a:lstStyle/>
+                    <a:p>
+                      <a:pPr marL="0" marR="0">
+                        <a:spcBef>
+                          <a:spcPts val="0"/>
+                        </a:spcBef>
+                        <a:spcAft>
+                          <a:spcPts val="0"/>
+                        </a:spcAft>
+                      </a:pPr>
+                      <a:r>
+                        <a:rPr lang="en-US" sz="1200" kern="150">
+                          <a:effectLst/>
+                          <a:latin typeface="Liberation Serif"/>
+                          <a:ea typeface="SimSun"/>
+                          <a:cs typeface="Mangal"/>
+                        </a:rPr>
+                        <a:t>Max mass on vertical actuator</a:t>
+                      </a:r>
+                    </a:p>
+                  </a:txBody>
+                  <a:tcPr marL="29991" marR="29991" marT="29991" marB="29991">
+                    <a:lnL w="12700" cap="flat" cmpd="sng" algn="ctr">
+                      <a:solidFill>
+                        <a:srgbClr val="000000"/>
+                      </a:solidFill>
+                      <a:prstDash val="solid"/>
+                      <a:round/>
+                      <a:headEnd type="none" w="med" len="med"/>
+                      <a:tailEnd type="none" w="med" len="med"/>
+                    </a:lnL>
+                    <a:lnR w="12700" cap="flat" cmpd="sng" algn="ctr">
+                      <a:solidFill>
+                        <a:srgbClr val="000000"/>
+                      </a:solidFill>
+                      <a:prstDash val="solid"/>
+                      <a:round/>
+                      <a:headEnd type="none" w="med" len="med"/>
+                      <a:tailEnd type="none" w="med" len="med"/>
+                    </a:lnR>
+                    <a:lnT w="12700" cap="flat" cmpd="sng" algn="ctr">
+                      <a:solidFill>
+                        <a:srgbClr val="000000"/>
+                      </a:solidFill>
+                      <a:prstDash val="solid"/>
+                      <a:round/>
+                      <a:headEnd type="none" w="med" len="med"/>
+                      <a:tailEnd type="none" w="med" len="med"/>
+                    </a:lnT>
+                    <a:lnB w="12700" cap="flat" cmpd="sng" algn="ctr">
+                      <a:solidFill>
+                        <a:srgbClr val="000000"/>
+                      </a:solidFill>
+                      <a:prstDash val="solid"/>
+                      <a:round/>
+                      <a:headEnd type="none" w="med" len="med"/>
+                      <a:tailEnd type="none" w="med" len="med"/>
+                    </a:lnB>
+                  </a:tcPr>
+                </a:tc>
+                <a:tc>
+                  <a:txBody>
+                    <a:bodyPr/>
+                    <a:lstStyle/>
+                    <a:p>
+                      <a:pPr marL="0" marR="0">
+                        <a:spcBef>
+                          <a:spcPts val="0"/>
+                        </a:spcBef>
+                        <a:spcAft>
+                          <a:spcPts val="0"/>
+                        </a:spcAft>
+                      </a:pPr>
+                      <a:r>
+                        <a:rPr lang="en-US" sz="1200" kern="150">
+                          <a:effectLst/>
+                          <a:latin typeface="Liberation Serif"/>
+                          <a:ea typeface="SimSun"/>
+                          <a:cs typeface="Mangal"/>
+                        </a:rPr>
+                        <a:t>700g</a:t>
+                      </a:r>
+                    </a:p>
+                  </a:txBody>
+                  <a:tcPr marL="29991" marR="29991" marT="29991" marB="29991">
+                    <a:lnL w="12700" cap="flat" cmpd="sng" algn="ctr">
+                      <a:solidFill>
+                        <a:srgbClr val="000000"/>
+                      </a:solidFill>
+                      <a:prstDash val="solid"/>
+                      <a:round/>
+                      <a:headEnd type="none" w="med" len="med"/>
+                      <a:tailEnd type="none" w="med" len="med"/>
+                    </a:lnL>
+                    <a:lnR w="12700" cap="flat" cmpd="sng" algn="ctr">
+                      <a:solidFill>
+                        <a:srgbClr val="000000"/>
+                      </a:solidFill>
+                      <a:prstDash val="solid"/>
+                      <a:round/>
+                      <a:headEnd type="none" w="med" len="med"/>
+                      <a:tailEnd type="none" w="med" len="med"/>
+                    </a:lnR>
+                    <a:lnT w="12700" cap="flat" cmpd="sng" algn="ctr">
+                      <a:solidFill>
+                        <a:srgbClr val="000000"/>
+                      </a:solidFill>
+                      <a:prstDash val="solid"/>
+                      <a:round/>
+                      <a:headEnd type="none" w="med" len="med"/>
+                      <a:tailEnd type="none" w="med" len="med"/>
+                    </a:lnT>
+                    <a:lnB w="12700" cap="flat" cmpd="sng" algn="ctr">
+                      <a:solidFill>
+                        <a:srgbClr val="000000"/>
+                      </a:solidFill>
+                      <a:prstDash val="solid"/>
+                      <a:round/>
+                      <a:headEnd type="none" w="med" len="med"/>
+                      <a:tailEnd type="none" w="med" len="med"/>
+                    </a:lnB>
+                  </a:tcPr>
+                </a:tc>
+                <a:tc>
+                  <a:txBody>
+                    <a:bodyPr/>
+                    <a:lstStyle/>
+                    <a:p>
+                      <a:pPr marL="0" marR="0">
+                        <a:spcBef>
+                          <a:spcPts val="0"/>
+                        </a:spcBef>
+                        <a:spcAft>
+                          <a:spcPts val="0"/>
+                        </a:spcAft>
+                      </a:pPr>
+                      <a:r>
+                        <a:rPr lang="en-US" sz="1200" kern="150">
+                          <a:effectLst/>
+                          <a:latin typeface="Liberation Serif"/>
+                          <a:ea typeface="SimSun"/>
+                          <a:cs typeface="Mangal"/>
+                        </a:rPr>
+                        <a:t>2.5kg</a:t>
+                      </a:r>
+                    </a:p>
+                  </a:txBody>
+                  <a:tcPr marL="29991" marR="29991" marT="29991" marB="29991">
+                    <a:lnL w="12700" cap="flat" cmpd="sng" algn="ctr">
+                      <a:solidFill>
+                        <a:srgbClr val="000000"/>
+                      </a:solidFill>
+                      <a:prstDash val="solid"/>
+                      <a:round/>
+                      <a:headEnd type="none" w="med" len="med"/>
+                      <a:tailEnd type="none" w="med" len="med"/>
+                    </a:lnL>
+                    <a:lnR w="12700" cap="flat" cmpd="sng" algn="ctr">
+                      <a:solidFill>
+                        <a:srgbClr val="000000"/>
+                      </a:solidFill>
+                      <a:prstDash val="solid"/>
+                      <a:round/>
+                      <a:headEnd type="none" w="med" len="med"/>
+                      <a:tailEnd type="none" w="med" len="med"/>
+                    </a:lnR>
+                    <a:lnT w="12700" cap="flat" cmpd="sng" algn="ctr">
+                      <a:solidFill>
+                        <a:srgbClr val="000000"/>
+                      </a:solidFill>
+                      <a:prstDash val="solid"/>
+                      <a:round/>
+                      <a:headEnd type="none" w="med" len="med"/>
+                      <a:tailEnd type="none" w="med" len="med"/>
+                    </a:lnT>
+                    <a:lnB w="12700" cap="flat" cmpd="sng" algn="ctr">
+                      <a:solidFill>
+                        <a:srgbClr val="000000"/>
+                      </a:solidFill>
+                      <a:prstDash val="solid"/>
+                      <a:round/>
+                      <a:headEnd type="none" w="med" len="med"/>
+                      <a:tailEnd type="none" w="med" len="med"/>
+                    </a:lnB>
+                  </a:tcPr>
+                </a:tc>
+              </a:tr>
+              <a:tr h="252121">
+                <a:tc>
+                  <a:txBody>
+                    <a:bodyPr/>
+                    <a:lstStyle/>
+                    <a:p>
+                      <a:pPr marL="0" marR="0">
+                        <a:spcBef>
+                          <a:spcPts val="0"/>
+                        </a:spcBef>
+                        <a:spcAft>
+                          <a:spcPts val="0"/>
+                        </a:spcAft>
+                      </a:pPr>
+                      <a:r>
+                        <a:rPr lang="en-US" sz="1200" kern="150">
+                          <a:effectLst/>
+                          <a:latin typeface="Liberation Serif"/>
+                          <a:ea typeface="SimSun"/>
+                          <a:cs typeface="Mangal"/>
+                        </a:rPr>
+                        <a:t>Drive electronics</a:t>
+                      </a:r>
+                    </a:p>
+                  </a:txBody>
+                  <a:tcPr marL="29991" marR="29991" marT="29991" marB="29991">
+                    <a:lnL w="12700" cap="flat" cmpd="sng" algn="ctr">
+                      <a:solidFill>
+                        <a:srgbClr val="000000"/>
+                      </a:solidFill>
+                      <a:prstDash val="solid"/>
+                      <a:round/>
+                      <a:headEnd type="none" w="med" len="med"/>
+                      <a:tailEnd type="none" w="med" len="med"/>
+                    </a:lnL>
+                    <a:lnR w="12700" cap="flat" cmpd="sng" algn="ctr">
+                      <a:solidFill>
+                        <a:srgbClr val="000000"/>
+                      </a:solidFill>
+                      <a:prstDash val="solid"/>
+                      <a:round/>
+                      <a:headEnd type="none" w="med" len="med"/>
+                      <a:tailEnd type="none" w="med" len="med"/>
+                    </a:lnR>
+                    <a:lnT w="12700" cap="flat" cmpd="sng" algn="ctr">
+                      <a:solidFill>
+                        <a:srgbClr val="000000"/>
+                      </a:solidFill>
+                      <a:prstDash val="solid"/>
+                      <a:round/>
+                      <a:headEnd type="none" w="med" len="med"/>
+                      <a:tailEnd type="none" w="med" len="med"/>
+                    </a:lnT>
+                    <a:lnB w="12700" cap="flat" cmpd="sng" algn="ctr">
+                      <a:solidFill>
+                        <a:srgbClr val="000000"/>
+                      </a:solidFill>
+                      <a:prstDash val="solid"/>
+                      <a:round/>
+                      <a:headEnd type="none" w="med" len="med"/>
+                      <a:tailEnd type="none" w="med" len="med"/>
+                    </a:lnB>
+                  </a:tcPr>
+                </a:tc>
+                <a:tc>
+                  <a:txBody>
+                    <a:bodyPr/>
+                    <a:lstStyle/>
+                    <a:p>
+                      <a:pPr marL="0" marR="0">
+                        <a:spcBef>
+                          <a:spcPts val="0"/>
+                        </a:spcBef>
+                        <a:spcAft>
+                          <a:spcPts val="0"/>
+                        </a:spcAft>
+                      </a:pPr>
+                      <a:r>
+                        <a:rPr lang="en-US" sz="1200" kern="150">
+                          <a:effectLst/>
+                          <a:latin typeface="Liberation Serif"/>
+                          <a:ea typeface="SimSun"/>
+                          <a:cs typeface="Mangal"/>
+                        </a:rPr>
+                        <a:t>Non-standard &amp; expensive</a:t>
+                      </a:r>
+                    </a:p>
+                  </a:txBody>
+                  <a:tcPr marL="29991" marR="29991" marT="29991" marB="29991">
+                    <a:lnL w="12700" cap="flat" cmpd="sng" algn="ctr">
+                      <a:solidFill>
+                        <a:srgbClr val="000000"/>
+                      </a:solidFill>
+                      <a:prstDash val="solid"/>
+                      <a:round/>
+                      <a:headEnd type="none" w="med" len="med"/>
+                      <a:tailEnd type="none" w="med" len="med"/>
+                    </a:lnL>
+                    <a:lnR w="12700" cap="flat" cmpd="sng" algn="ctr">
+                      <a:solidFill>
+                        <a:srgbClr val="000000"/>
+                      </a:solidFill>
+                      <a:prstDash val="solid"/>
+                      <a:round/>
+                      <a:headEnd type="none" w="med" len="med"/>
+                      <a:tailEnd type="none" w="med" len="med"/>
+                    </a:lnR>
+                    <a:lnT w="12700" cap="flat" cmpd="sng" algn="ctr">
+                      <a:solidFill>
+                        <a:srgbClr val="000000"/>
+                      </a:solidFill>
+                      <a:prstDash val="solid"/>
+                      <a:round/>
+                      <a:headEnd type="none" w="med" len="med"/>
+                      <a:tailEnd type="none" w="med" len="med"/>
+                    </a:lnT>
+                    <a:lnB w="12700" cap="flat" cmpd="sng" algn="ctr">
+                      <a:solidFill>
+                        <a:srgbClr val="000000"/>
+                      </a:solidFill>
+                      <a:prstDash val="solid"/>
+                      <a:round/>
+                      <a:headEnd type="none" w="med" len="med"/>
+                      <a:tailEnd type="none" w="med" len="med"/>
+                    </a:lnB>
+                  </a:tcPr>
+                </a:tc>
+                <a:tc>
+                  <a:txBody>
+                    <a:bodyPr/>
+                    <a:lstStyle/>
+                    <a:p>
+                      <a:pPr marL="0" marR="0">
+                        <a:spcBef>
+                          <a:spcPts val="0"/>
+                        </a:spcBef>
+                        <a:spcAft>
+                          <a:spcPts val="0"/>
+                        </a:spcAft>
+                      </a:pPr>
+                      <a:r>
+                        <a:rPr lang="en-US" sz="1200" kern="150" dirty="0">
+                          <a:effectLst/>
+                          <a:latin typeface="Liberation Serif"/>
+                          <a:ea typeface="SimSun"/>
+                          <a:cs typeface="Mangal"/>
+                        </a:rPr>
+                        <a:t>Standard &amp; inexpensive</a:t>
+                      </a:r>
+                    </a:p>
+                  </a:txBody>
+                  <a:tcPr marL="29991" marR="29991" marT="29991" marB="29991">
+                    <a:lnL w="12700" cap="flat" cmpd="sng" algn="ctr">
+                      <a:solidFill>
+                        <a:srgbClr val="000000"/>
+                      </a:solidFill>
+                      <a:prstDash val="solid"/>
+                      <a:round/>
+                      <a:headEnd type="none" w="med" len="med"/>
+                      <a:tailEnd type="none" w="med" len="med"/>
+                    </a:lnL>
+                    <a:lnR w="12700" cap="flat" cmpd="sng" algn="ctr">
+                      <a:solidFill>
+                        <a:srgbClr val="000000"/>
+                      </a:solidFill>
+                      <a:prstDash val="solid"/>
+                      <a:round/>
+                      <a:headEnd type="none" w="med" len="med"/>
+                      <a:tailEnd type="none" w="med" len="med"/>
+                    </a:lnR>
+                    <a:lnT w="12700" cap="flat" cmpd="sng" algn="ctr">
+                      <a:solidFill>
+                        <a:srgbClr val="000000"/>
+                      </a:solidFill>
+                      <a:prstDash val="solid"/>
+                      <a:round/>
+                      <a:headEnd type="none" w="med" len="med"/>
+                      <a:tailEnd type="none" w="med" len="med"/>
+                    </a:lnT>
+                    <a:lnB w="12700" cap="flat" cmpd="sng" algn="ctr">
+                      <a:solidFill>
+                        <a:srgbClr val="000000"/>
+                      </a:solidFill>
+                      <a:prstDash val="solid"/>
+                      <a:round/>
+                      <a:headEnd type="none" w="med" len="med"/>
+                      <a:tailEnd type="none" w="med" len="med"/>
+                    </a:lnB>
+                  </a:tcPr>
+                </a:tc>
+              </a:tr>
+            </a:tbl>
+          </a:graphicData>
+        </a:graphic>
+      </p:graphicFrame>
     </p:spTree>
     <p:extLst>
       <p:ext uri="{BB962C8B-B14F-4D97-AF65-F5344CB8AC3E}">
@@ -4166,153 +6222,1493 @@
         </p:nvSpPr>
         <p:spPr/>
         <p:txBody>
-          <a:bodyPr/>
-          <a:lstStyle/>
-          <a:p>
-            <a:r>
-              <a:rPr lang="en-US" dirty="0" smtClean="0"/>
-              <a:t>Balancing Approaches	</a:t>
-            </a:r>
-            <a:endParaRPr lang="en-US" dirty="0"/>
-          </a:p>
-        </p:txBody>
-      </p:sp>
-      <p:sp>
-        <p:nvSpPr>
-          <p:cNvPr id="3" name="Content Placeholder 2"/>
-          <p:cNvSpPr>
-            <a:spLocks noGrp="1"/>
-          </p:cNvSpPr>
-          <p:nvPr>
-            <p:ph idx="1"/>
-          </p:nvPr>
-        </p:nvSpPr>
-        <p:spPr/>
-        <p:txBody>
           <a:bodyPr>
-            <a:normAutofit fontScale="92500" lnSpcReduction="10000"/>
+            <a:normAutofit fontScale="90000"/>
           </a:bodyPr>
           <a:lstStyle/>
           <a:p>
             <a:r>
-              <a:rPr lang="en-US" dirty="0" smtClean="0"/>
-              <a:t>Batch estimation (Li and </a:t>
-            </a:r>
-            <a:r>
-              <a:rPr lang="en-US" dirty="0" err="1" smtClean="0"/>
-              <a:t>Gao</a:t>
-            </a:r>
-            <a:r>
-              <a:rPr lang="en-US" dirty="0" smtClean="0"/>
-              <a:t>, </a:t>
-            </a:r>
-            <a:r>
-              <a:rPr lang="en-US" dirty="0" err="1" smtClean="0"/>
-              <a:t>Chesi</a:t>
-            </a:r>
-            <a:r>
-              <a:rPr lang="en-US" dirty="0" smtClean="0"/>
-              <a:t> and Gong)</a:t>
-            </a:r>
-          </a:p>
-          <a:p>
-            <a:pPr lvl="1"/>
-            <a:r>
-              <a:rPr lang="en-US" dirty="0" smtClean="0"/>
-              <a:t>Develop equations of motion</a:t>
-            </a:r>
-          </a:p>
-          <a:p>
-            <a:pPr lvl="1"/>
-            <a:r>
-              <a:rPr lang="en-US" dirty="0" smtClean="0"/>
-              <a:t>Actuate system (with reaction wheels)</a:t>
-            </a:r>
-          </a:p>
-          <a:p>
-            <a:pPr lvl="1"/>
-            <a:r>
-              <a:rPr lang="en-US" dirty="0" smtClean="0"/>
-              <a:t>Use some (least squares) approach to find best estimate of </a:t>
-            </a:r>
-            <a:r>
-              <a:rPr lang="en-US" dirty="0" err="1" smtClean="0"/>
-              <a:t>CoG</a:t>
-            </a:r>
-            <a:endParaRPr lang="en-US" dirty="0" smtClean="0"/>
-          </a:p>
-          <a:p>
-            <a:pPr lvl="1"/>
-            <a:r>
-              <a:rPr lang="en-US" dirty="0" smtClean="0"/>
-              <a:t>Once </a:t>
-            </a:r>
-            <a:r>
-              <a:rPr lang="en-US" dirty="0" err="1" smtClean="0"/>
-              <a:t>CoG</a:t>
-            </a:r>
-            <a:r>
-              <a:rPr lang="en-US" dirty="0" smtClean="0"/>
-              <a:t> is known, move masses to compensate</a:t>
-            </a:r>
-          </a:p>
-          <a:p>
-            <a:pPr lvl="1"/>
-            <a:r>
-              <a:rPr lang="en-US" dirty="0" smtClean="0"/>
-              <a:t>Sensitive to knowledge of actuator parameters</a:t>
-            </a:r>
-          </a:p>
-          <a:p>
-            <a:pPr lvl="1"/>
-            <a:r>
-              <a:rPr lang="en-US" dirty="0" smtClean="0"/>
-              <a:t>Need to know MOI (or estimate it at the same time)</a:t>
-            </a:r>
-          </a:p>
-          <a:p>
-            <a:pPr lvl="1"/>
-            <a:r>
-              <a:rPr lang="en-US" dirty="0" smtClean="0"/>
-              <a:t>Multiple iterations needed</a:t>
-            </a:r>
-          </a:p>
-          <a:p>
-            <a:pPr lvl="1"/>
-            <a:r>
-              <a:rPr lang="en-US" dirty="0" smtClean="0"/>
-              <a:t>Requires actuation</a:t>
-            </a:r>
-          </a:p>
-          <a:p>
-            <a:pPr lvl="1"/>
-            <a:endParaRPr lang="en-US" dirty="0" smtClean="0"/>
-          </a:p>
-          <a:p>
-            <a:pPr marL="457200" lvl="1" indent="0">
+              <a:rPr lang="en-US" dirty="0"/>
+              <a:t>Side By Side </a:t>
+            </a:r>
+            <a:r>
+              <a:rPr lang="en-US" dirty="0" smtClean="0"/>
+              <a:t>Cost Comparison </a:t>
+            </a:r>
+            <a:r>
+              <a:rPr lang="en-US" dirty="0"/>
+              <a:t>of Actuators 1 and 2</a:t>
+            </a:r>
+          </a:p>
+        </p:txBody>
+      </p:sp>
+      <p:sp>
+        <p:nvSpPr>
+          <p:cNvPr id="8" name="Rectangle 2"/>
+          <p:cNvSpPr>
+            <a:spLocks noChangeArrowheads="1"/>
+          </p:cNvSpPr>
+          <p:nvPr/>
+        </p:nvSpPr>
+        <p:spPr bwMode="auto">
+          <a:xfrm>
+            <a:off x="1404938" y="2551113"/>
+            <a:ext cx="9144000" cy="457200"/>
+          </a:xfrm>
+          <a:prstGeom prst="rect">
+            <a:avLst/>
+          </a:prstGeom>
+          <a:noFill/>
+          <a:ln>
+            <a:noFill/>
+          </a:ln>
+          <a:effectLst/>
+          <a:extLst>
+            <a:ext uri="{909E8E84-426E-40DD-AFC4-6F175D3DCCD1}">
+              <a14:hiddenFill xmlns:a14="http://schemas.microsoft.com/office/drawing/2010/main">
+                <a:solidFill>
+                  <a:schemeClr val="accent1"/>
+                </a:solidFill>
+              </a14:hiddenFill>
+            </a:ext>
+            <a:ext uri="{91240B29-F687-4F45-9708-019B960494DF}">
+              <a14:hiddenLine xmlns:a14="http://schemas.microsoft.com/office/drawing/2010/main" w="9525">
+                <a:solidFill>
+                  <a:schemeClr val="tx1"/>
+                </a:solidFill>
+                <a:miter lim="800000"/>
+                <a:headEnd/>
+                <a:tailEnd/>
+              </a14:hiddenLine>
+            </a:ext>
+            <a:ext uri="{AF507438-7753-43E0-B8FC-AC1667EBCBE1}">
+              <a14:hiddenEffects xmlns:a14="http://schemas.microsoft.com/office/drawing/2010/main">
+                <a:effectLst>
+                  <a:outerShdw dist="35921" dir="2700000" algn="ctr" rotWithShape="0">
+                    <a:schemeClr val="bg2"/>
+                  </a:outerShdw>
+                </a:effectLst>
+              </a14:hiddenEffects>
+            </a:ext>
+          </a:extLst>
+        </p:spPr>
+        <p:txBody>
+          <a:bodyPr vert="horz" wrap="none" lIns="91440" tIns="45720" rIns="91440" bIns="45720" numCol="1" anchor="ctr" anchorCtr="0" compatLnSpc="1">
+            <a:prstTxWarp prst="textNoShape">
+              <a:avLst/>
+            </a:prstTxWarp>
+            <a:spAutoFit/>
+          </a:bodyPr>
+          <a:lstStyle/>
+          <a:p>
+            <a:pPr marL="0" marR="0" lvl="0" indent="0" algn="l" defTabSz="914400" rtl="0" eaLnBrk="1" fontAlgn="base" latinLnBrk="0" hangingPunct="1">
+              <a:lnSpc>
+                <a:spcPct val="100000"/>
+              </a:lnSpc>
+              <a:spcBef>
+                <a:spcPct val="0"/>
+              </a:spcBef>
+              <a:spcAft>
+                <a:spcPct val="0"/>
+              </a:spcAft>
+              <a:buClrTx/>
+              <a:buSzTx/>
+              <a:buFontTx/>
               <a:buNone/>
+              <a:tabLst/>
             </a:pPr>
-            <a:endParaRPr lang="en-US" dirty="0"/>
-          </a:p>
-        </p:txBody>
-      </p:sp>
+            <a:endParaRPr kumimoji="0" lang="en-US" sz="1800" b="0" i="0" u="none" strike="noStrike" cap="none" normalizeH="0" baseline="0" smtClean="0">
+              <a:ln>
+                <a:noFill/>
+              </a:ln>
+              <a:solidFill>
+                <a:schemeClr val="tx1"/>
+              </a:solidFill>
+              <a:effectLst/>
+              <a:latin typeface="Arial" pitchFamily="34" charset="0"/>
+              <a:cs typeface="Arial" pitchFamily="34" charset="0"/>
+            </a:endParaRPr>
+          </a:p>
+        </p:txBody>
+      </p:sp>
+      <p:graphicFrame>
+        <p:nvGraphicFramePr>
+          <p:cNvPr id="10" name="Table 9"/>
+          <p:cNvGraphicFramePr>
+            <a:graphicFrameLocks noGrp="1"/>
+          </p:cNvGraphicFramePr>
+          <p:nvPr>
+            <p:extLst>
+              <p:ext uri="{D42A27DB-BD31-4B8C-83A1-F6EECF244321}">
+                <p14:modId xmlns:p14="http://schemas.microsoft.com/office/powerpoint/2010/main" val="3705299520"/>
+              </p:ext>
+            </p:extLst>
+          </p:nvPr>
+        </p:nvGraphicFramePr>
+        <p:xfrm>
+          <a:off x="1385604" y="1981200"/>
+          <a:ext cx="6334125" cy="2439670"/>
+        </p:xfrm>
+        <a:graphic>
+          <a:graphicData uri="http://schemas.openxmlformats.org/drawingml/2006/table">
+            <a:tbl>
+              <a:tblPr/>
+              <a:tblGrid>
+                <a:gridCol w="2111375"/>
+                <a:gridCol w="2111375"/>
+                <a:gridCol w="2111375"/>
+              </a:tblGrid>
+              <a:tr h="0">
+                <a:tc>
+                  <a:txBody>
+                    <a:bodyPr/>
+                    <a:lstStyle/>
+                    <a:p>
+                      <a:pPr marL="0" marR="0">
+                        <a:spcBef>
+                          <a:spcPts val="0"/>
+                        </a:spcBef>
+                        <a:spcAft>
+                          <a:spcPts val="0"/>
+                        </a:spcAft>
+                      </a:pPr>
+                      <a:r>
+                        <a:rPr lang="en-US" sz="1200" kern="150" dirty="0">
+                          <a:effectLst/>
+                          <a:latin typeface="Liberation Serif"/>
+                          <a:ea typeface="SimSun"/>
+                          <a:cs typeface="Mangal"/>
+                        </a:rPr>
+                        <a:t>Actuator</a:t>
+                      </a:r>
+                    </a:p>
+                  </a:txBody>
+                  <a:tcPr marL="34925" marR="34925" marT="34925" marB="34925">
+                    <a:lnL w="12700" cap="flat" cmpd="sng" algn="ctr">
+                      <a:solidFill>
+                        <a:srgbClr val="000000"/>
+                      </a:solidFill>
+                      <a:prstDash val="solid"/>
+                      <a:round/>
+                      <a:headEnd type="none" w="med" len="med"/>
+                      <a:tailEnd type="none" w="med" len="med"/>
+                    </a:lnL>
+                    <a:lnR w="12700" cap="flat" cmpd="sng" algn="ctr">
+                      <a:solidFill>
+                        <a:srgbClr val="000000"/>
+                      </a:solidFill>
+                      <a:prstDash val="solid"/>
+                      <a:round/>
+                      <a:headEnd type="none" w="med" len="med"/>
+                      <a:tailEnd type="none" w="med" len="med"/>
+                    </a:lnR>
+                    <a:lnT w="12700" cap="flat" cmpd="sng" algn="ctr">
+                      <a:solidFill>
+                        <a:srgbClr val="000000"/>
+                      </a:solidFill>
+                      <a:prstDash val="solid"/>
+                      <a:round/>
+                      <a:headEnd type="none" w="med" len="med"/>
+                      <a:tailEnd type="none" w="med" len="med"/>
+                    </a:lnT>
+                    <a:lnB w="12700" cap="flat" cmpd="sng" algn="ctr">
+                      <a:solidFill>
+                        <a:srgbClr val="000000"/>
+                      </a:solidFill>
+                      <a:prstDash val="solid"/>
+                      <a:round/>
+                      <a:headEnd type="none" w="med" len="med"/>
+                      <a:tailEnd type="none" w="med" len="med"/>
+                    </a:lnB>
+                  </a:tcPr>
+                </a:tc>
+                <a:tc>
+                  <a:txBody>
+                    <a:bodyPr/>
+                    <a:lstStyle/>
+                    <a:p>
+                      <a:pPr marL="0" marR="0">
+                        <a:spcBef>
+                          <a:spcPts val="0"/>
+                        </a:spcBef>
+                        <a:spcAft>
+                          <a:spcPts val="0"/>
+                        </a:spcAft>
+                      </a:pPr>
+                      <a:r>
+                        <a:rPr lang="en-US" sz="1200" kern="150">
+                          <a:effectLst/>
+                          <a:latin typeface="Liberation Serif"/>
+                          <a:ea typeface="SimSun"/>
+                          <a:cs typeface="Mangal"/>
+                        </a:rPr>
+                        <a:t>$772*3 = $2316 (4-5 week lead)</a:t>
+                      </a:r>
+                    </a:p>
+                  </a:txBody>
+                  <a:tcPr marL="34925" marR="34925" marT="34925" marB="34925">
+                    <a:lnL w="12700" cap="flat" cmpd="sng" algn="ctr">
+                      <a:solidFill>
+                        <a:srgbClr val="000000"/>
+                      </a:solidFill>
+                      <a:prstDash val="solid"/>
+                      <a:round/>
+                      <a:headEnd type="none" w="med" len="med"/>
+                      <a:tailEnd type="none" w="med" len="med"/>
+                    </a:lnL>
+                    <a:lnR w="12700" cap="flat" cmpd="sng" algn="ctr">
+                      <a:solidFill>
+                        <a:srgbClr val="000000"/>
+                      </a:solidFill>
+                      <a:prstDash val="solid"/>
+                      <a:round/>
+                      <a:headEnd type="none" w="med" len="med"/>
+                      <a:tailEnd type="none" w="med" len="med"/>
+                    </a:lnR>
+                    <a:lnT w="12700" cap="flat" cmpd="sng" algn="ctr">
+                      <a:solidFill>
+                        <a:srgbClr val="000000"/>
+                      </a:solidFill>
+                      <a:prstDash val="solid"/>
+                      <a:round/>
+                      <a:headEnd type="none" w="med" len="med"/>
+                      <a:tailEnd type="none" w="med" len="med"/>
+                    </a:lnT>
+                    <a:lnB w="12700" cap="flat" cmpd="sng" algn="ctr">
+                      <a:solidFill>
+                        <a:srgbClr val="000000"/>
+                      </a:solidFill>
+                      <a:prstDash val="solid"/>
+                      <a:round/>
+                      <a:headEnd type="none" w="med" len="med"/>
+                      <a:tailEnd type="none" w="med" len="med"/>
+                    </a:lnB>
+                  </a:tcPr>
+                </a:tc>
+                <a:tc>
+                  <a:txBody>
+                    <a:bodyPr/>
+                    <a:lstStyle/>
+                    <a:p>
+                      <a:pPr marL="0" marR="0">
+                        <a:spcBef>
+                          <a:spcPts val="0"/>
+                        </a:spcBef>
+                        <a:spcAft>
+                          <a:spcPts val="0"/>
+                        </a:spcAft>
+                      </a:pPr>
+                      <a:r>
+                        <a:rPr lang="en-US" sz="1200" kern="150">
+                          <a:effectLst/>
+                          <a:latin typeface="Liberation Serif"/>
+                          <a:ea typeface="SimSun"/>
+                          <a:cs typeface="Mangal"/>
+                        </a:rPr>
+                        <a:t>$64*3 = $192 (1-2 week lead)</a:t>
+                      </a:r>
+                    </a:p>
+                  </a:txBody>
+                  <a:tcPr marL="34925" marR="34925" marT="34925" marB="34925">
+                    <a:lnL w="12700" cap="flat" cmpd="sng" algn="ctr">
+                      <a:solidFill>
+                        <a:srgbClr val="000000"/>
+                      </a:solidFill>
+                      <a:prstDash val="solid"/>
+                      <a:round/>
+                      <a:headEnd type="none" w="med" len="med"/>
+                      <a:tailEnd type="none" w="med" len="med"/>
+                    </a:lnL>
+                    <a:lnR w="12700" cap="flat" cmpd="sng" algn="ctr">
+                      <a:solidFill>
+                        <a:srgbClr val="000000"/>
+                      </a:solidFill>
+                      <a:prstDash val="solid"/>
+                      <a:round/>
+                      <a:headEnd type="none" w="med" len="med"/>
+                      <a:tailEnd type="none" w="med" len="med"/>
+                    </a:lnR>
+                    <a:lnT w="12700" cap="flat" cmpd="sng" algn="ctr">
+                      <a:solidFill>
+                        <a:srgbClr val="000000"/>
+                      </a:solidFill>
+                      <a:prstDash val="solid"/>
+                      <a:round/>
+                      <a:headEnd type="none" w="med" len="med"/>
+                      <a:tailEnd type="none" w="med" len="med"/>
+                    </a:lnT>
+                    <a:lnB w="12700" cap="flat" cmpd="sng" algn="ctr">
+                      <a:solidFill>
+                        <a:srgbClr val="000000"/>
+                      </a:solidFill>
+                      <a:prstDash val="solid"/>
+                      <a:round/>
+                      <a:headEnd type="none" w="med" len="med"/>
+                      <a:tailEnd type="none" w="med" len="med"/>
+                    </a:lnB>
+                  </a:tcPr>
+                </a:tc>
+              </a:tr>
+              <a:tr h="0">
+                <a:tc>
+                  <a:txBody>
+                    <a:bodyPr/>
+                    <a:lstStyle/>
+                    <a:p>
+                      <a:pPr marL="0" marR="0">
+                        <a:spcBef>
+                          <a:spcPts val="0"/>
+                        </a:spcBef>
+                        <a:spcAft>
+                          <a:spcPts val="0"/>
+                        </a:spcAft>
+                      </a:pPr>
+                      <a:r>
+                        <a:rPr lang="en-US" sz="1200" kern="150">
+                          <a:effectLst/>
+                          <a:latin typeface="Liberation Serif"/>
+                          <a:ea typeface="SimSun"/>
+                          <a:cs typeface="Mangal"/>
+                        </a:rPr>
+                        <a:t>Driver</a:t>
+                      </a:r>
+                    </a:p>
+                  </a:txBody>
+                  <a:tcPr marL="34925" marR="34925" marT="34925" marB="34925">
+                    <a:lnL w="12700" cap="flat" cmpd="sng" algn="ctr">
+                      <a:solidFill>
+                        <a:srgbClr val="000000"/>
+                      </a:solidFill>
+                      <a:prstDash val="solid"/>
+                      <a:round/>
+                      <a:headEnd type="none" w="med" len="med"/>
+                      <a:tailEnd type="none" w="med" len="med"/>
+                    </a:lnL>
+                    <a:lnR w="12700" cap="flat" cmpd="sng" algn="ctr">
+                      <a:solidFill>
+                        <a:srgbClr val="000000"/>
+                      </a:solidFill>
+                      <a:prstDash val="solid"/>
+                      <a:round/>
+                      <a:headEnd type="none" w="med" len="med"/>
+                      <a:tailEnd type="none" w="med" len="med"/>
+                    </a:lnR>
+                    <a:lnT w="12700" cap="flat" cmpd="sng" algn="ctr">
+                      <a:solidFill>
+                        <a:srgbClr val="000000"/>
+                      </a:solidFill>
+                      <a:prstDash val="solid"/>
+                      <a:round/>
+                      <a:headEnd type="none" w="med" len="med"/>
+                      <a:tailEnd type="none" w="med" len="med"/>
+                    </a:lnT>
+                    <a:lnB w="12700" cap="flat" cmpd="sng" algn="ctr">
+                      <a:solidFill>
+                        <a:srgbClr val="000000"/>
+                      </a:solidFill>
+                      <a:prstDash val="solid"/>
+                      <a:round/>
+                      <a:headEnd type="none" w="med" len="med"/>
+                      <a:tailEnd type="none" w="med" len="med"/>
+                    </a:lnB>
+                  </a:tcPr>
+                </a:tc>
+                <a:tc>
+                  <a:txBody>
+                    <a:bodyPr/>
+                    <a:lstStyle/>
+                    <a:p>
+                      <a:pPr marL="0" marR="0">
+                        <a:spcBef>
+                          <a:spcPts val="0"/>
+                        </a:spcBef>
+                        <a:spcAft>
+                          <a:spcPts val="0"/>
+                        </a:spcAft>
+                      </a:pPr>
+                      <a:r>
+                        <a:rPr lang="en-US" sz="1200" kern="150">
+                          <a:effectLst/>
+                          <a:latin typeface="Liberation Serif"/>
+                          <a:ea typeface="SimSun"/>
+                          <a:cs typeface="Mangal"/>
+                        </a:rPr>
+                        <a:t>$1101*1 = $1101 (4-5 week lead)</a:t>
+                      </a:r>
+                    </a:p>
+                  </a:txBody>
+                  <a:tcPr marL="34925" marR="34925" marT="34925" marB="34925">
+                    <a:lnL w="12700" cap="flat" cmpd="sng" algn="ctr">
+                      <a:solidFill>
+                        <a:srgbClr val="000000"/>
+                      </a:solidFill>
+                      <a:prstDash val="solid"/>
+                      <a:round/>
+                      <a:headEnd type="none" w="med" len="med"/>
+                      <a:tailEnd type="none" w="med" len="med"/>
+                    </a:lnL>
+                    <a:lnR w="12700" cap="flat" cmpd="sng" algn="ctr">
+                      <a:solidFill>
+                        <a:srgbClr val="000000"/>
+                      </a:solidFill>
+                      <a:prstDash val="solid"/>
+                      <a:round/>
+                      <a:headEnd type="none" w="med" len="med"/>
+                      <a:tailEnd type="none" w="med" len="med"/>
+                    </a:lnR>
+                    <a:lnT w="12700" cap="flat" cmpd="sng" algn="ctr">
+                      <a:solidFill>
+                        <a:srgbClr val="000000"/>
+                      </a:solidFill>
+                      <a:prstDash val="solid"/>
+                      <a:round/>
+                      <a:headEnd type="none" w="med" len="med"/>
+                      <a:tailEnd type="none" w="med" len="med"/>
+                    </a:lnT>
+                    <a:lnB w="12700" cap="flat" cmpd="sng" algn="ctr">
+                      <a:solidFill>
+                        <a:srgbClr val="000000"/>
+                      </a:solidFill>
+                      <a:prstDash val="solid"/>
+                      <a:round/>
+                      <a:headEnd type="none" w="med" len="med"/>
+                      <a:tailEnd type="none" w="med" len="med"/>
+                    </a:lnB>
+                  </a:tcPr>
+                </a:tc>
+                <a:tc>
+                  <a:txBody>
+                    <a:bodyPr/>
+                    <a:lstStyle/>
+                    <a:p>
+                      <a:pPr marL="0" marR="0">
+                        <a:spcBef>
+                          <a:spcPts val="0"/>
+                        </a:spcBef>
+                        <a:spcAft>
+                          <a:spcPts val="0"/>
+                        </a:spcAft>
+                      </a:pPr>
+                      <a:r>
+                        <a:rPr lang="en-US" sz="1200" kern="150">
+                          <a:effectLst/>
+                          <a:latin typeface="Liberation Serif"/>
+                          <a:ea typeface="SimSun"/>
+                          <a:cs typeface="Mangal"/>
+                        </a:rPr>
+                        <a:t>$30*3 = $90 (estimated, no lead)</a:t>
+                      </a:r>
+                    </a:p>
+                  </a:txBody>
+                  <a:tcPr marL="34925" marR="34925" marT="34925" marB="34925">
+                    <a:lnL w="12700" cap="flat" cmpd="sng" algn="ctr">
+                      <a:solidFill>
+                        <a:srgbClr val="000000"/>
+                      </a:solidFill>
+                      <a:prstDash val="solid"/>
+                      <a:round/>
+                      <a:headEnd type="none" w="med" len="med"/>
+                      <a:tailEnd type="none" w="med" len="med"/>
+                    </a:lnL>
+                    <a:lnR w="12700" cap="flat" cmpd="sng" algn="ctr">
+                      <a:solidFill>
+                        <a:srgbClr val="000000"/>
+                      </a:solidFill>
+                      <a:prstDash val="solid"/>
+                      <a:round/>
+                      <a:headEnd type="none" w="med" len="med"/>
+                      <a:tailEnd type="none" w="med" len="med"/>
+                    </a:lnR>
+                    <a:lnT w="12700" cap="flat" cmpd="sng" algn="ctr">
+                      <a:solidFill>
+                        <a:srgbClr val="000000"/>
+                      </a:solidFill>
+                      <a:prstDash val="solid"/>
+                      <a:round/>
+                      <a:headEnd type="none" w="med" len="med"/>
+                      <a:tailEnd type="none" w="med" len="med"/>
+                    </a:lnT>
+                    <a:lnB w="12700" cap="flat" cmpd="sng" algn="ctr">
+                      <a:solidFill>
+                        <a:srgbClr val="000000"/>
+                      </a:solidFill>
+                      <a:prstDash val="solid"/>
+                      <a:round/>
+                      <a:headEnd type="none" w="med" len="med"/>
+                      <a:tailEnd type="none" w="med" len="med"/>
+                    </a:lnB>
+                  </a:tcPr>
+                </a:tc>
+              </a:tr>
+              <a:tr h="0">
+                <a:tc>
+                  <a:txBody>
+                    <a:bodyPr/>
+                    <a:lstStyle/>
+                    <a:p>
+                      <a:pPr marL="0" marR="0">
+                        <a:spcBef>
+                          <a:spcPts val="0"/>
+                        </a:spcBef>
+                        <a:spcAft>
+                          <a:spcPts val="0"/>
+                        </a:spcAft>
+                      </a:pPr>
+                      <a:r>
+                        <a:rPr lang="en-US" sz="1200" kern="150">
+                          <a:effectLst/>
+                          <a:latin typeface="Liberation Serif"/>
+                          <a:ea typeface="SimSun"/>
+                          <a:cs typeface="Mangal"/>
+                        </a:rPr>
+                        <a:t>Lead screw and nut</a:t>
+                      </a:r>
+                    </a:p>
+                  </a:txBody>
+                  <a:tcPr marL="34925" marR="34925" marT="34925" marB="34925">
+                    <a:lnL w="12700" cap="flat" cmpd="sng" algn="ctr">
+                      <a:solidFill>
+                        <a:srgbClr val="000000"/>
+                      </a:solidFill>
+                      <a:prstDash val="solid"/>
+                      <a:round/>
+                      <a:headEnd type="none" w="med" len="med"/>
+                      <a:tailEnd type="none" w="med" len="med"/>
+                    </a:lnL>
+                    <a:lnR w="12700" cap="flat" cmpd="sng" algn="ctr">
+                      <a:solidFill>
+                        <a:srgbClr val="000000"/>
+                      </a:solidFill>
+                      <a:prstDash val="solid"/>
+                      <a:round/>
+                      <a:headEnd type="none" w="med" len="med"/>
+                      <a:tailEnd type="none" w="med" len="med"/>
+                    </a:lnR>
+                    <a:lnT w="12700" cap="flat" cmpd="sng" algn="ctr">
+                      <a:solidFill>
+                        <a:srgbClr val="000000"/>
+                      </a:solidFill>
+                      <a:prstDash val="solid"/>
+                      <a:round/>
+                      <a:headEnd type="none" w="med" len="med"/>
+                      <a:tailEnd type="none" w="med" len="med"/>
+                    </a:lnT>
+                    <a:lnB w="12700" cap="flat" cmpd="sng" algn="ctr">
+                      <a:solidFill>
+                        <a:srgbClr val="000000"/>
+                      </a:solidFill>
+                      <a:prstDash val="solid"/>
+                      <a:round/>
+                      <a:headEnd type="none" w="med" len="med"/>
+                      <a:tailEnd type="none" w="med" len="med"/>
+                    </a:lnB>
+                  </a:tcPr>
+                </a:tc>
+                <a:tc>
+                  <a:txBody>
+                    <a:bodyPr/>
+                    <a:lstStyle/>
+                    <a:p>
+                      <a:pPr marL="0" marR="0">
+                        <a:spcBef>
+                          <a:spcPts val="0"/>
+                        </a:spcBef>
+                        <a:spcAft>
+                          <a:spcPts val="0"/>
+                        </a:spcAft>
+                      </a:pPr>
+                      <a:r>
+                        <a:rPr lang="en-US" sz="1200" kern="150">
+                          <a:effectLst/>
+                          <a:latin typeface="Liberation Serif"/>
+                          <a:ea typeface="SimSun"/>
+                          <a:cs typeface="Mangal"/>
+                        </a:rPr>
+                        <a:t>N/A</a:t>
+                      </a:r>
+                    </a:p>
+                  </a:txBody>
+                  <a:tcPr marL="34925" marR="34925" marT="34925" marB="34925">
+                    <a:lnL w="12700" cap="flat" cmpd="sng" algn="ctr">
+                      <a:solidFill>
+                        <a:srgbClr val="000000"/>
+                      </a:solidFill>
+                      <a:prstDash val="solid"/>
+                      <a:round/>
+                      <a:headEnd type="none" w="med" len="med"/>
+                      <a:tailEnd type="none" w="med" len="med"/>
+                    </a:lnL>
+                    <a:lnR w="12700" cap="flat" cmpd="sng" algn="ctr">
+                      <a:solidFill>
+                        <a:srgbClr val="000000"/>
+                      </a:solidFill>
+                      <a:prstDash val="solid"/>
+                      <a:round/>
+                      <a:headEnd type="none" w="med" len="med"/>
+                      <a:tailEnd type="none" w="med" len="med"/>
+                    </a:lnR>
+                    <a:lnT w="12700" cap="flat" cmpd="sng" algn="ctr">
+                      <a:solidFill>
+                        <a:srgbClr val="000000"/>
+                      </a:solidFill>
+                      <a:prstDash val="solid"/>
+                      <a:round/>
+                      <a:headEnd type="none" w="med" len="med"/>
+                      <a:tailEnd type="none" w="med" len="med"/>
+                    </a:lnT>
+                    <a:lnB w="12700" cap="flat" cmpd="sng" algn="ctr">
+                      <a:solidFill>
+                        <a:srgbClr val="000000"/>
+                      </a:solidFill>
+                      <a:prstDash val="solid"/>
+                      <a:round/>
+                      <a:headEnd type="none" w="med" len="med"/>
+                      <a:tailEnd type="none" w="med" len="med"/>
+                    </a:lnB>
+                  </a:tcPr>
+                </a:tc>
+                <a:tc>
+                  <a:txBody>
+                    <a:bodyPr/>
+                    <a:lstStyle/>
+                    <a:p>
+                      <a:pPr marL="0" marR="0">
+                        <a:spcBef>
+                          <a:spcPts val="0"/>
+                        </a:spcBef>
+                        <a:spcAft>
+                          <a:spcPts val="0"/>
+                        </a:spcAft>
+                      </a:pPr>
+                      <a:r>
+                        <a:rPr lang="en-US" sz="1200" kern="150">
+                          <a:effectLst/>
+                          <a:latin typeface="Liberation Serif"/>
+                          <a:ea typeface="SimSun"/>
+                          <a:cs typeface="Mangal"/>
+                        </a:rPr>
+                        <a:t>$63.96*3 = 191.88</a:t>
+                      </a:r>
+                    </a:p>
+                  </a:txBody>
+                  <a:tcPr marL="34925" marR="34925" marT="34925" marB="34925">
+                    <a:lnL w="12700" cap="flat" cmpd="sng" algn="ctr">
+                      <a:solidFill>
+                        <a:srgbClr val="000000"/>
+                      </a:solidFill>
+                      <a:prstDash val="solid"/>
+                      <a:round/>
+                      <a:headEnd type="none" w="med" len="med"/>
+                      <a:tailEnd type="none" w="med" len="med"/>
+                    </a:lnL>
+                    <a:lnR w="12700" cap="flat" cmpd="sng" algn="ctr">
+                      <a:solidFill>
+                        <a:srgbClr val="000000"/>
+                      </a:solidFill>
+                      <a:prstDash val="solid"/>
+                      <a:round/>
+                      <a:headEnd type="none" w="med" len="med"/>
+                      <a:tailEnd type="none" w="med" len="med"/>
+                    </a:lnR>
+                    <a:lnT w="12700" cap="flat" cmpd="sng" algn="ctr">
+                      <a:solidFill>
+                        <a:srgbClr val="000000"/>
+                      </a:solidFill>
+                      <a:prstDash val="solid"/>
+                      <a:round/>
+                      <a:headEnd type="none" w="med" len="med"/>
+                      <a:tailEnd type="none" w="med" len="med"/>
+                    </a:lnT>
+                    <a:lnB w="12700" cap="flat" cmpd="sng" algn="ctr">
+                      <a:solidFill>
+                        <a:srgbClr val="000000"/>
+                      </a:solidFill>
+                      <a:prstDash val="solid"/>
+                      <a:round/>
+                      <a:headEnd type="none" w="med" len="med"/>
+                      <a:tailEnd type="none" w="med" len="med"/>
+                    </a:lnB>
+                  </a:tcPr>
+                </a:tc>
+              </a:tr>
+              <a:tr h="293370">
+                <a:tc>
+                  <a:txBody>
+                    <a:bodyPr/>
+                    <a:lstStyle/>
+                    <a:p>
+                      <a:pPr marL="0" marR="0">
+                        <a:spcBef>
+                          <a:spcPts val="0"/>
+                        </a:spcBef>
+                        <a:spcAft>
+                          <a:spcPts val="0"/>
+                        </a:spcAft>
+                      </a:pPr>
+                      <a:r>
+                        <a:rPr lang="en-US" sz="1200" kern="150">
+                          <a:effectLst/>
+                          <a:latin typeface="Liberation Serif"/>
+                          <a:ea typeface="SimSun"/>
+                          <a:cs typeface="Mangal"/>
+                        </a:rPr>
+                        <a:t>Other materials</a:t>
+                      </a:r>
+                    </a:p>
+                  </a:txBody>
+                  <a:tcPr marL="34925" marR="34925" marT="34925" marB="34925">
+                    <a:lnL w="12700" cap="flat" cmpd="sng" algn="ctr">
+                      <a:solidFill>
+                        <a:srgbClr val="000000"/>
+                      </a:solidFill>
+                      <a:prstDash val="solid"/>
+                      <a:round/>
+                      <a:headEnd type="none" w="med" len="med"/>
+                      <a:tailEnd type="none" w="med" len="med"/>
+                    </a:lnL>
+                    <a:lnR w="12700" cap="flat" cmpd="sng" algn="ctr">
+                      <a:solidFill>
+                        <a:srgbClr val="000000"/>
+                      </a:solidFill>
+                      <a:prstDash val="solid"/>
+                      <a:round/>
+                      <a:headEnd type="none" w="med" len="med"/>
+                      <a:tailEnd type="none" w="med" len="med"/>
+                    </a:lnR>
+                    <a:lnT w="12700" cap="flat" cmpd="sng" algn="ctr">
+                      <a:solidFill>
+                        <a:srgbClr val="000000"/>
+                      </a:solidFill>
+                      <a:prstDash val="solid"/>
+                      <a:round/>
+                      <a:headEnd type="none" w="med" len="med"/>
+                      <a:tailEnd type="none" w="med" len="med"/>
+                    </a:lnT>
+                    <a:lnB w="12700" cap="flat" cmpd="sng" algn="ctr">
+                      <a:solidFill>
+                        <a:srgbClr val="000000"/>
+                      </a:solidFill>
+                      <a:prstDash val="solid"/>
+                      <a:round/>
+                      <a:headEnd type="none" w="med" len="med"/>
+                      <a:tailEnd type="none" w="med" len="med"/>
+                    </a:lnB>
+                  </a:tcPr>
+                </a:tc>
+                <a:tc>
+                  <a:txBody>
+                    <a:bodyPr/>
+                    <a:lstStyle/>
+                    <a:p>
+                      <a:pPr marL="0" marR="0">
+                        <a:spcBef>
+                          <a:spcPts val="0"/>
+                        </a:spcBef>
+                        <a:spcAft>
+                          <a:spcPts val="0"/>
+                        </a:spcAft>
+                      </a:pPr>
+                      <a:r>
+                        <a:rPr lang="en-US" sz="1200" kern="150">
+                          <a:effectLst/>
+                          <a:latin typeface="Liberation Serif"/>
+                          <a:ea typeface="SimSun"/>
+                          <a:cs typeface="Mangal"/>
+                        </a:rPr>
+                        <a:t>$100*1 = $100 (estimated, no lead)</a:t>
+                      </a:r>
+                    </a:p>
+                  </a:txBody>
+                  <a:tcPr marL="34925" marR="34925" marT="34925" marB="34925">
+                    <a:lnL w="12700" cap="flat" cmpd="sng" algn="ctr">
+                      <a:solidFill>
+                        <a:srgbClr val="000000"/>
+                      </a:solidFill>
+                      <a:prstDash val="solid"/>
+                      <a:round/>
+                      <a:headEnd type="none" w="med" len="med"/>
+                      <a:tailEnd type="none" w="med" len="med"/>
+                    </a:lnL>
+                    <a:lnR w="12700" cap="flat" cmpd="sng" algn="ctr">
+                      <a:solidFill>
+                        <a:srgbClr val="000000"/>
+                      </a:solidFill>
+                      <a:prstDash val="solid"/>
+                      <a:round/>
+                      <a:headEnd type="none" w="med" len="med"/>
+                      <a:tailEnd type="none" w="med" len="med"/>
+                    </a:lnR>
+                    <a:lnT w="12700" cap="flat" cmpd="sng" algn="ctr">
+                      <a:solidFill>
+                        <a:srgbClr val="000000"/>
+                      </a:solidFill>
+                      <a:prstDash val="solid"/>
+                      <a:round/>
+                      <a:headEnd type="none" w="med" len="med"/>
+                      <a:tailEnd type="none" w="med" len="med"/>
+                    </a:lnT>
+                    <a:lnB w="12700" cap="flat" cmpd="sng" algn="ctr">
+                      <a:solidFill>
+                        <a:srgbClr val="000000"/>
+                      </a:solidFill>
+                      <a:prstDash val="solid"/>
+                      <a:round/>
+                      <a:headEnd type="none" w="med" len="med"/>
+                      <a:tailEnd type="none" w="med" len="med"/>
+                    </a:lnB>
+                  </a:tcPr>
+                </a:tc>
+                <a:tc>
+                  <a:txBody>
+                    <a:bodyPr/>
+                    <a:lstStyle/>
+                    <a:p>
+                      <a:pPr marL="0" marR="0">
+                        <a:spcBef>
+                          <a:spcPts val="0"/>
+                        </a:spcBef>
+                        <a:spcAft>
+                          <a:spcPts val="0"/>
+                        </a:spcAft>
+                      </a:pPr>
+                      <a:r>
+                        <a:rPr lang="en-US" sz="1200" kern="150">
+                          <a:effectLst/>
+                          <a:latin typeface="Liberation Serif"/>
+                          <a:ea typeface="SimSun"/>
+                          <a:cs typeface="Mangal"/>
+                        </a:rPr>
+                        <a:t>$100*1 = $100 (estimated, no lead)</a:t>
+                      </a:r>
+                    </a:p>
+                  </a:txBody>
+                  <a:tcPr marL="34925" marR="34925" marT="34925" marB="34925">
+                    <a:lnL w="12700" cap="flat" cmpd="sng" algn="ctr">
+                      <a:solidFill>
+                        <a:srgbClr val="000000"/>
+                      </a:solidFill>
+                      <a:prstDash val="solid"/>
+                      <a:round/>
+                      <a:headEnd type="none" w="med" len="med"/>
+                      <a:tailEnd type="none" w="med" len="med"/>
+                    </a:lnL>
+                    <a:lnR w="12700" cap="flat" cmpd="sng" algn="ctr">
+                      <a:solidFill>
+                        <a:srgbClr val="000000"/>
+                      </a:solidFill>
+                      <a:prstDash val="solid"/>
+                      <a:round/>
+                      <a:headEnd type="none" w="med" len="med"/>
+                      <a:tailEnd type="none" w="med" len="med"/>
+                    </a:lnR>
+                    <a:lnT w="12700" cap="flat" cmpd="sng" algn="ctr">
+                      <a:solidFill>
+                        <a:srgbClr val="000000"/>
+                      </a:solidFill>
+                      <a:prstDash val="solid"/>
+                      <a:round/>
+                      <a:headEnd type="none" w="med" len="med"/>
+                      <a:tailEnd type="none" w="med" len="med"/>
+                    </a:lnT>
+                    <a:lnB w="12700" cap="flat" cmpd="sng" algn="ctr">
+                      <a:solidFill>
+                        <a:srgbClr val="000000"/>
+                      </a:solidFill>
+                      <a:prstDash val="solid"/>
+                      <a:round/>
+                      <a:headEnd type="none" w="med" len="med"/>
+                      <a:tailEnd type="none" w="med" len="med"/>
+                    </a:lnB>
+                  </a:tcPr>
+                </a:tc>
+              </a:tr>
+              <a:tr h="293370">
+                <a:tc>
+                  <a:txBody>
+                    <a:bodyPr/>
+                    <a:lstStyle/>
+                    <a:p>
+                      <a:pPr marL="0" marR="0">
+                        <a:spcBef>
+                          <a:spcPts val="0"/>
+                        </a:spcBef>
+                        <a:spcAft>
+                          <a:spcPts val="0"/>
+                        </a:spcAft>
+                      </a:pPr>
+                      <a:r>
+                        <a:rPr lang="en-US" sz="1200" kern="150">
+                          <a:effectLst/>
+                          <a:latin typeface="Liberation Serif"/>
+                          <a:ea typeface="SimSun"/>
+                          <a:cs typeface="Mangal"/>
+                        </a:rPr>
+                        <a:t>Total Cost of Materials</a:t>
+                      </a:r>
+                    </a:p>
+                  </a:txBody>
+                  <a:tcPr marL="34925" marR="34925" marT="34925" marB="34925">
+                    <a:lnL w="12700" cap="flat" cmpd="sng" algn="ctr">
+                      <a:solidFill>
+                        <a:srgbClr val="000000"/>
+                      </a:solidFill>
+                      <a:prstDash val="solid"/>
+                      <a:round/>
+                      <a:headEnd type="none" w="med" len="med"/>
+                      <a:tailEnd type="none" w="med" len="med"/>
+                    </a:lnL>
+                    <a:lnR w="12700" cap="flat" cmpd="sng" algn="ctr">
+                      <a:solidFill>
+                        <a:srgbClr val="000000"/>
+                      </a:solidFill>
+                      <a:prstDash val="solid"/>
+                      <a:round/>
+                      <a:headEnd type="none" w="med" len="med"/>
+                      <a:tailEnd type="none" w="med" len="med"/>
+                    </a:lnR>
+                    <a:lnT w="12700" cap="flat" cmpd="sng" algn="ctr">
+                      <a:solidFill>
+                        <a:srgbClr val="000000"/>
+                      </a:solidFill>
+                      <a:prstDash val="solid"/>
+                      <a:round/>
+                      <a:headEnd type="none" w="med" len="med"/>
+                      <a:tailEnd type="none" w="med" len="med"/>
+                    </a:lnT>
+                    <a:lnB w="12700" cap="flat" cmpd="sng" algn="ctr">
+                      <a:solidFill>
+                        <a:srgbClr val="000000"/>
+                      </a:solidFill>
+                      <a:prstDash val="solid"/>
+                      <a:round/>
+                      <a:headEnd type="none" w="med" len="med"/>
+                      <a:tailEnd type="none" w="med" len="med"/>
+                    </a:lnB>
+                  </a:tcPr>
+                </a:tc>
+                <a:tc>
+                  <a:txBody>
+                    <a:bodyPr/>
+                    <a:lstStyle/>
+                    <a:p>
+                      <a:pPr marL="0" marR="0">
+                        <a:spcBef>
+                          <a:spcPts val="0"/>
+                        </a:spcBef>
+                        <a:spcAft>
+                          <a:spcPts val="0"/>
+                        </a:spcAft>
+                      </a:pPr>
+                      <a:r>
+                        <a:rPr lang="en-US" sz="1200" kern="150">
+                          <a:effectLst/>
+                          <a:latin typeface="Liberation Serif"/>
+                          <a:ea typeface="SimSun"/>
+                          <a:cs typeface="Mangal"/>
+                        </a:rPr>
+                        <a:t>$3517</a:t>
+                      </a:r>
+                    </a:p>
+                  </a:txBody>
+                  <a:tcPr marL="34925" marR="34925" marT="34925" marB="34925">
+                    <a:lnL w="12700" cap="flat" cmpd="sng" algn="ctr">
+                      <a:solidFill>
+                        <a:srgbClr val="000000"/>
+                      </a:solidFill>
+                      <a:prstDash val="solid"/>
+                      <a:round/>
+                      <a:headEnd type="none" w="med" len="med"/>
+                      <a:tailEnd type="none" w="med" len="med"/>
+                    </a:lnL>
+                    <a:lnR w="12700" cap="flat" cmpd="sng" algn="ctr">
+                      <a:solidFill>
+                        <a:srgbClr val="000000"/>
+                      </a:solidFill>
+                      <a:prstDash val="solid"/>
+                      <a:round/>
+                      <a:headEnd type="none" w="med" len="med"/>
+                      <a:tailEnd type="none" w="med" len="med"/>
+                    </a:lnR>
+                    <a:lnT w="12700" cap="flat" cmpd="sng" algn="ctr">
+                      <a:solidFill>
+                        <a:srgbClr val="000000"/>
+                      </a:solidFill>
+                      <a:prstDash val="solid"/>
+                      <a:round/>
+                      <a:headEnd type="none" w="med" len="med"/>
+                      <a:tailEnd type="none" w="med" len="med"/>
+                    </a:lnT>
+                    <a:lnB w="12700" cap="flat" cmpd="sng" algn="ctr">
+                      <a:solidFill>
+                        <a:srgbClr val="000000"/>
+                      </a:solidFill>
+                      <a:prstDash val="solid"/>
+                      <a:round/>
+                      <a:headEnd type="none" w="med" len="med"/>
+                      <a:tailEnd type="none" w="med" len="med"/>
+                    </a:lnB>
+                  </a:tcPr>
+                </a:tc>
+                <a:tc>
+                  <a:txBody>
+                    <a:bodyPr/>
+                    <a:lstStyle/>
+                    <a:p>
+                      <a:pPr marL="0" marR="0">
+                        <a:spcBef>
+                          <a:spcPts val="0"/>
+                        </a:spcBef>
+                        <a:spcAft>
+                          <a:spcPts val="0"/>
+                        </a:spcAft>
+                      </a:pPr>
+                      <a:r>
+                        <a:rPr lang="en-US" sz="1200" kern="150">
+                          <a:effectLst/>
+                          <a:latin typeface="Liberation Serif"/>
+                          <a:ea typeface="SimSun"/>
+                          <a:cs typeface="Mangal"/>
+                        </a:rPr>
+                        <a:t>$574</a:t>
+                      </a:r>
+                    </a:p>
+                  </a:txBody>
+                  <a:tcPr marL="34925" marR="34925" marT="34925" marB="34925">
+                    <a:lnL w="12700" cap="flat" cmpd="sng" algn="ctr">
+                      <a:solidFill>
+                        <a:srgbClr val="000000"/>
+                      </a:solidFill>
+                      <a:prstDash val="solid"/>
+                      <a:round/>
+                      <a:headEnd type="none" w="med" len="med"/>
+                      <a:tailEnd type="none" w="med" len="med"/>
+                    </a:lnL>
+                    <a:lnR w="12700" cap="flat" cmpd="sng" algn="ctr">
+                      <a:solidFill>
+                        <a:srgbClr val="000000"/>
+                      </a:solidFill>
+                      <a:prstDash val="solid"/>
+                      <a:round/>
+                      <a:headEnd type="none" w="med" len="med"/>
+                      <a:tailEnd type="none" w="med" len="med"/>
+                    </a:lnR>
+                    <a:lnT w="12700" cap="flat" cmpd="sng" algn="ctr">
+                      <a:solidFill>
+                        <a:srgbClr val="000000"/>
+                      </a:solidFill>
+                      <a:prstDash val="solid"/>
+                      <a:round/>
+                      <a:headEnd type="none" w="med" len="med"/>
+                      <a:tailEnd type="none" w="med" len="med"/>
+                    </a:lnT>
+                    <a:lnB w="12700" cap="flat" cmpd="sng" algn="ctr">
+                      <a:solidFill>
+                        <a:srgbClr val="000000"/>
+                      </a:solidFill>
+                      <a:prstDash val="solid"/>
+                      <a:round/>
+                      <a:headEnd type="none" w="med" len="med"/>
+                      <a:tailEnd type="none" w="med" len="med"/>
+                    </a:lnB>
+                  </a:tcPr>
+                </a:tc>
+              </a:tr>
+              <a:tr h="293370">
+                <a:tc>
+                  <a:txBody>
+                    <a:bodyPr/>
+                    <a:lstStyle/>
+                    <a:p>
+                      <a:pPr marL="0" marR="0">
+                        <a:spcBef>
+                          <a:spcPts val="0"/>
+                        </a:spcBef>
+                        <a:spcAft>
+                          <a:spcPts val="0"/>
+                        </a:spcAft>
+                      </a:pPr>
+                      <a:r>
+                        <a:rPr lang="en-US" sz="1200" kern="150">
+                          <a:effectLst/>
+                          <a:latin typeface="Liberation Serif"/>
+                          <a:ea typeface="SimSun"/>
+                          <a:cs typeface="Mangal"/>
+                        </a:rPr>
+                        <a:t>Machining time</a:t>
+                      </a:r>
+                    </a:p>
+                  </a:txBody>
+                  <a:tcPr marL="34925" marR="34925" marT="34925" marB="34925">
+                    <a:lnL w="12700" cap="flat" cmpd="sng" algn="ctr">
+                      <a:solidFill>
+                        <a:srgbClr val="000000"/>
+                      </a:solidFill>
+                      <a:prstDash val="solid"/>
+                      <a:round/>
+                      <a:headEnd type="none" w="med" len="med"/>
+                      <a:tailEnd type="none" w="med" len="med"/>
+                    </a:lnL>
+                    <a:lnR w="12700" cap="flat" cmpd="sng" algn="ctr">
+                      <a:solidFill>
+                        <a:srgbClr val="000000"/>
+                      </a:solidFill>
+                      <a:prstDash val="solid"/>
+                      <a:round/>
+                      <a:headEnd type="none" w="med" len="med"/>
+                      <a:tailEnd type="none" w="med" len="med"/>
+                    </a:lnR>
+                    <a:lnT w="12700" cap="flat" cmpd="sng" algn="ctr">
+                      <a:solidFill>
+                        <a:srgbClr val="000000"/>
+                      </a:solidFill>
+                      <a:prstDash val="solid"/>
+                      <a:round/>
+                      <a:headEnd type="none" w="med" len="med"/>
+                      <a:tailEnd type="none" w="med" len="med"/>
+                    </a:lnT>
+                    <a:lnB w="12700" cap="flat" cmpd="sng" algn="ctr">
+                      <a:solidFill>
+                        <a:srgbClr val="000000"/>
+                      </a:solidFill>
+                      <a:prstDash val="solid"/>
+                      <a:round/>
+                      <a:headEnd type="none" w="med" len="med"/>
+                      <a:tailEnd type="none" w="med" len="med"/>
+                    </a:lnB>
+                  </a:tcPr>
+                </a:tc>
+                <a:tc>
+                  <a:txBody>
+                    <a:bodyPr/>
+                    <a:lstStyle/>
+                    <a:p>
+                      <a:pPr marL="0" marR="0">
+                        <a:spcBef>
+                          <a:spcPts val="0"/>
+                        </a:spcBef>
+                        <a:spcAft>
+                          <a:spcPts val="0"/>
+                        </a:spcAft>
+                      </a:pPr>
+                      <a:r>
+                        <a:rPr lang="en-US" sz="1200" kern="150">
+                          <a:effectLst/>
+                          <a:latin typeface="Liberation Serif"/>
+                          <a:ea typeface="SimSun"/>
+                          <a:cs typeface="Mangal"/>
+                        </a:rPr>
+                        <a:t>14hr*84 $/hr = $1176</a:t>
+                      </a:r>
+                    </a:p>
+                  </a:txBody>
+                  <a:tcPr marL="34925" marR="34925" marT="34925" marB="34925">
+                    <a:lnL w="12700" cap="flat" cmpd="sng" algn="ctr">
+                      <a:solidFill>
+                        <a:srgbClr val="000000"/>
+                      </a:solidFill>
+                      <a:prstDash val="solid"/>
+                      <a:round/>
+                      <a:headEnd type="none" w="med" len="med"/>
+                      <a:tailEnd type="none" w="med" len="med"/>
+                    </a:lnL>
+                    <a:lnR w="12700" cap="flat" cmpd="sng" algn="ctr">
+                      <a:solidFill>
+                        <a:srgbClr val="000000"/>
+                      </a:solidFill>
+                      <a:prstDash val="solid"/>
+                      <a:round/>
+                      <a:headEnd type="none" w="med" len="med"/>
+                      <a:tailEnd type="none" w="med" len="med"/>
+                    </a:lnR>
+                    <a:lnT w="12700" cap="flat" cmpd="sng" algn="ctr">
+                      <a:solidFill>
+                        <a:srgbClr val="000000"/>
+                      </a:solidFill>
+                      <a:prstDash val="solid"/>
+                      <a:round/>
+                      <a:headEnd type="none" w="med" len="med"/>
+                      <a:tailEnd type="none" w="med" len="med"/>
+                    </a:lnT>
+                    <a:lnB w="12700" cap="flat" cmpd="sng" algn="ctr">
+                      <a:solidFill>
+                        <a:srgbClr val="000000"/>
+                      </a:solidFill>
+                      <a:prstDash val="solid"/>
+                      <a:round/>
+                      <a:headEnd type="none" w="med" len="med"/>
+                      <a:tailEnd type="none" w="med" len="med"/>
+                    </a:lnB>
+                  </a:tcPr>
+                </a:tc>
+                <a:tc>
+                  <a:txBody>
+                    <a:bodyPr/>
+                    <a:lstStyle/>
+                    <a:p>
+                      <a:pPr marL="0" marR="0">
+                        <a:spcBef>
+                          <a:spcPts val="0"/>
+                        </a:spcBef>
+                        <a:spcAft>
+                          <a:spcPts val="0"/>
+                        </a:spcAft>
+                      </a:pPr>
+                      <a:r>
+                        <a:rPr lang="en-US" sz="1200" kern="150">
+                          <a:effectLst/>
+                          <a:latin typeface="Liberation Serif"/>
+                          <a:ea typeface="SimSun"/>
+                          <a:cs typeface="Mangal"/>
+                        </a:rPr>
+                        <a:t>16hr*84$/hr = $1344</a:t>
+                      </a:r>
+                    </a:p>
+                  </a:txBody>
+                  <a:tcPr marL="34925" marR="34925" marT="34925" marB="34925">
+                    <a:lnL w="12700" cap="flat" cmpd="sng" algn="ctr">
+                      <a:solidFill>
+                        <a:srgbClr val="000000"/>
+                      </a:solidFill>
+                      <a:prstDash val="solid"/>
+                      <a:round/>
+                      <a:headEnd type="none" w="med" len="med"/>
+                      <a:tailEnd type="none" w="med" len="med"/>
+                    </a:lnL>
+                    <a:lnR w="12700" cap="flat" cmpd="sng" algn="ctr">
+                      <a:solidFill>
+                        <a:srgbClr val="000000"/>
+                      </a:solidFill>
+                      <a:prstDash val="solid"/>
+                      <a:round/>
+                      <a:headEnd type="none" w="med" len="med"/>
+                      <a:tailEnd type="none" w="med" len="med"/>
+                    </a:lnR>
+                    <a:lnT w="12700" cap="flat" cmpd="sng" algn="ctr">
+                      <a:solidFill>
+                        <a:srgbClr val="000000"/>
+                      </a:solidFill>
+                      <a:prstDash val="solid"/>
+                      <a:round/>
+                      <a:headEnd type="none" w="med" len="med"/>
+                      <a:tailEnd type="none" w="med" len="med"/>
+                    </a:lnT>
+                    <a:lnB w="12700" cap="flat" cmpd="sng" algn="ctr">
+                      <a:solidFill>
+                        <a:srgbClr val="000000"/>
+                      </a:solidFill>
+                      <a:prstDash val="solid"/>
+                      <a:round/>
+                      <a:headEnd type="none" w="med" len="med"/>
+                      <a:tailEnd type="none" w="med" len="med"/>
+                    </a:lnB>
+                  </a:tcPr>
+                </a:tc>
+              </a:tr>
+              <a:tr h="293370">
+                <a:tc>
+                  <a:txBody>
+                    <a:bodyPr/>
+                    <a:lstStyle/>
+                    <a:p>
+                      <a:pPr marL="0" marR="0">
+                        <a:spcBef>
+                          <a:spcPts val="0"/>
+                        </a:spcBef>
+                        <a:spcAft>
+                          <a:spcPts val="0"/>
+                        </a:spcAft>
+                      </a:pPr>
+                      <a:r>
+                        <a:rPr lang="en-US" sz="1200" kern="150">
+                          <a:effectLst/>
+                          <a:latin typeface="Liberation Serif"/>
+                          <a:ea typeface="SimSun"/>
+                          <a:cs typeface="Mangal"/>
+                        </a:rPr>
+                        <a:t>Total cost</a:t>
+                      </a:r>
+                    </a:p>
+                  </a:txBody>
+                  <a:tcPr marL="34925" marR="34925" marT="34925" marB="34925">
+                    <a:lnL w="12700" cap="flat" cmpd="sng" algn="ctr">
+                      <a:solidFill>
+                        <a:srgbClr val="000000"/>
+                      </a:solidFill>
+                      <a:prstDash val="solid"/>
+                      <a:round/>
+                      <a:headEnd type="none" w="med" len="med"/>
+                      <a:tailEnd type="none" w="med" len="med"/>
+                    </a:lnL>
+                    <a:lnR w="12700" cap="flat" cmpd="sng" algn="ctr">
+                      <a:solidFill>
+                        <a:srgbClr val="000000"/>
+                      </a:solidFill>
+                      <a:prstDash val="solid"/>
+                      <a:round/>
+                      <a:headEnd type="none" w="med" len="med"/>
+                      <a:tailEnd type="none" w="med" len="med"/>
+                    </a:lnR>
+                    <a:lnT w="12700" cap="flat" cmpd="sng" algn="ctr">
+                      <a:solidFill>
+                        <a:srgbClr val="000000"/>
+                      </a:solidFill>
+                      <a:prstDash val="solid"/>
+                      <a:round/>
+                      <a:headEnd type="none" w="med" len="med"/>
+                      <a:tailEnd type="none" w="med" len="med"/>
+                    </a:lnT>
+                    <a:lnB w="12700" cap="flat" cmpd="sng" algn="ctr">
+                      <a:solidFill>
+                        <a:srgbClr val="000000"/>
+                      </a:solidFill>
+                      <a:prstDash val="solid"/>
+                      <a:round/>
+                      <a:headEnd type="none" w="med" len="med"/>
+                      <a:tailEnd type="none" w="med" len="med"/>
+                    </a:lnB>
+                  </a:tcPr>
+                </a:tc>
+                <a:tc>
+                  <a:txBody>
+                    <a:bodyPr/>
+                    <a:lstStyle/>
+                    <a:p>
+                      <a:pPr marL="0" marR="0">
+                        <a:spcBef>
+                          <a:spcPts val="0"/>
+                        </a:spcBef>
+                        <a:spcAft>
+                          <a:spcPts val="0"/>
+                        </a:spcAft>
+                      </a:pPr>
+                      <a:r>
+                        <a:rPr lang="en-US" sz="1200" kern="150">
+                          <a:effectLst/>
+                          <a:latin typeface="Liberation Serif"/>
+                          <a:ea typeface="SimSun"/>
+                          <a:cs typeface="Mangal"/>
+                        </a:rPr>
+                        <a:t>$4693</a:t>
+                      </a:r>
+                    </a:p>
+                  </a:txBody>
+                  <a:tcPr marL="34925" marR="34925" marT="34925" marB="34925">
+                    <a:lnL w="12700" cap="flat" cmpd="sng" algn="ctr">
+                      <a:solidFill>
+                        <a:srgbClr val="000000"/>
+                      </a:solidFill>
+                      <a:prstDash val="solid"/>
+                      <a:round/>
+                      <a:headEnd type="none" w="med" len="med"/>
+                      <a:tailEnd type="none" w="med" len="med"/>
+                    </a:lnL>
+                    <a:lnR w="12700" cap="flat" cmpd="sng" algn="ctr">
+                      <a:solidFill>
+                        <a:srgbClr val="000000"/>
+                      </a:solidFill>
+                      <a:prstDash val="solid"/>
+                      <a:round/>
+                      <a:headEnd type="none" w="med" len="med"/>
+                      <a:tailEnd type="none" w="med" len="med"/>
+                    </a:lnR>
+                    <a:lnT w="12700" cap="flat" cmpd="sng" algn="ctr">
+                      <a:solidFill>
+                        <a:srgbClr val="000000"/>
+                      </a:solidFill>
+                      <a:prstDash val="solid"/>
+                      <a:round/>
+                      <a:headEnd type="none" w="med" len="med"/>
+                      <a:tailEnd type="none" w="med" len="med"/>
+                    </a:lnT>
+                    <a:lnB w="12700" cap="flat" cmpd="sng" algn="ctr">
+                      <a:solidFill>
+                        <a:srgbClr val="000000"/>
+                      </a:solidFill>
+                      <a:prstDash val="solid"/>
+                      <a:round/>
+                      <a:headEnd type="none" w="med" len="med"/>
+                      <a:tailEnd type="none" w="med" len="med"/>
+                    </a:lnB>
+                  </a:tcPr>
+                </a:tc>
+                <a:tc>
+                  <a:txBody>
+                    <a:bodyPr/>
+                    <a:lstStyle/>
+                    <a:p>
+                      <a:pPr marL="0" marR="0">
+                        <a:spcBef>
+                          <a:spcPts val="0"/>
+                        </a:spcBef>
+                        <a:spcAft>
+                          <a:spcPts val="0"/>
+                        </a:spcAft>
+                      </a:pPr>
+                      <a:r>
+                        <a:rPr lang="en-US" sz="1200" kern="150" dirty="0">
+                          <a:effectLst/>
+                          <a:latin typeface="Liberation Serif"/>
+                          <a:ea typeface="SimSun"/>
+                          <a:cs typeface="Mangal"/>
+                        </a:rPr>
+                        <a:t>$1918</a:t>
+                      </a:r>
+                    </a:p>
+                  </a:txBody>
+                  <a:tcPr marL="34925" marR="34925" marT="34925" marB="34925">
+                    <a:lnL w="12700" cap="flat" cmpd="sng" algn="ctr">
+                      <a:solidFill>
+                        <a:srgbClr val="000000"/>
+                      </a:solidFill>
+                      <a:prstDash val="solid"/>
+                      <a:round/>
+                      <a:headEnd type="none" w="med" len="med"/>
+                      <a:tailEnd type="none" w="med" len="med"/>
+                    </a:lnL>
+                    <a:lnR w="12700" cap="flat" cmpd="sng" algn="ctr">
+                      <a:solidFill>
+                        <a:srgbClr val="000000"/>
+                      </a:solidFill>
+                      <a:prstDash val="solid"/>
+                      <a:round/>
+                      <a:headEnd type="none" w="med" len="med"/>
+                      <a:tailEnd type="none" w="med" len="med"/>
+                    </a:lnR>
+                    <a:lnT w="12700" cap="flat" cmpd="sng" algn="ctr">
+                      <a:solidFill>
+                        <a:srgbClr val="000000"/>
+                      </a:solidFill>
+                      <a:prstDash val="solid"/>
+                      <a:round/>
+                      <a:headEnd type="none" w="med" len="med"/>
+                      <a:tailEnd type="none" w="med" len="med"/>
+                    </a:lnT>
+                    <a:lnB w="12700" cap="flat" cmpd="sng" algn="ctr">
+                      <a:solidFill>
+                        <a:srgbClr val="000000"/>
+                      </a:solidFill>
+                      <a:prstDash val="solid"/>
+                      <a:round/>
+                      <a:headEnd type="none" w="med" len="med"/>
+                      <a:tailEnd type="none" w="med" len="med"/>
+                    </a:lnB>
+                  </a:tcPr>
+                </a:tc>
+              </a:tr>
+            </a:tbl>
+          </a:graphicData>
+        </a:graphic>
+      </p:graphicFrame>
     </p:spTree>
     <p:extLst>
       <p:ext uri="{BB962C8B-B14F-4D97-AF65-F5344CB8AC3E}">
-        <p14:creationId xmlns:p14="http://schemas.microsoft.com/office/powerpoint/2010/main" val="4257297385"/>
+        <p14:creationId xmlns:p14="http://schemas.microsoft.com/office/powerpoint/2010/main" val="3281998887"/>
       </p:ext>
     </p:extLst>
   </p:cSld>
   <p:clrMapOvr>
     <a:masterClrMapping/>
   </p:clrMapOvr>
-  <p:timing>
-    <p:tnLst>
-      <p:par>
-        <p:cTn id="1" dur="indefinite" restart="never" nodeType="tmRoot"/>
-      </p:par>
-    </p:tnLst>
-  </p:timing>
 </p:sld>
 </file>
 
@@ -4350,7 +7746,7 @@
           <a:p>
             <a:r>
               <a:rPr lang="en-US" dirty="0" smtClean="0"/>
-              <a:t>Balancing Approaches</a:t>
+              <a:t>The Question of Machining</a:t>
             </a:r>
             <a:endParaRPr lang="en-US" dirty="0"/>
           </a:p>
@@ -4373,39 +7769,27 @@
           <a:p>
             <a:r>
               <a:rPr lang="en-US" dirty="0" smtClean="0"/>
-              <a:t>Alternative Approach to Batch Estimation</a:t>
+              <a:t>This project will likely require some precise machining</a:t>
+            </a:r>
+          </a:p>
+          <a:p>
+            <a:r>
+              <a:rPr lang="en-US" dirty="0" smtClean="0"/>
+              <a:t>Professional machining costs are significant</a:t>
+            </a:r>
+          </a:p>
+          <a:p>
+            <a:r>
+              <a:rPr lang="en-US" dirty="0" smtClean="0"/>
+              <a:t>Non-professional machining can be done at no cost</a:t>
             </a:r>
           </a:p>
           <a:p>
             <a:pPr lvl="1"/>
             <a:r>
               <a:rPr lang="en-US" dirty="0" smtClean="0"/>
-              <a:t>Move masses</a:t>
-            </a:r>
-          </a:p>
-          <a:p>
-            <a:pPr lvl="1"/>
-            <a:r>
-              <a:rPr lang="en-US" dirty="0" smtClean="0"/>
-              <a:t>Measure change of equilibrium position</a:t>
-            </a:r>
-          </a:p>
-          <a:p>
-            <a:pPr lvl="1"/>
-            <a:r>
-              <a:rPr lang="en-US" dirty="0" smtClean="0"/>
-              <a:t>Compute center of mass </a:t>
-            </a:r>
-          </a:p>
-          <a:p>
-            <a:pPr lvl="1"/>
-            <a:r>
-              <a:rPr lang="en-US" dirty="0" smtClean="0"/>
-              <a:t>Move masses to compensate </a:t>
-            </a:r>
-          </a:p>
-          <a:p>
-            <a:pPr lvl="1"/>
+              <a:t>Precision may be inferior</a:t>
+            </a:r>
             <a:endParaRPr lang="en-US" dirty="0"/>
           </a:p>
         </p:txBody>
@@ -4413,20 +7797,13 @@
     </p:spTree>
     <p:extLst>
       <p:ext uri="{BB962C8B-B14F-4D97-AF65-F5344CB8AC3E}">
-        <p14:creationId xmlns:p14="http://schemas.microsoft.com/office/powerpoint/2010/main" val="1185696142"/>
+        <p14:creationId xmlns:p14="http://schemas.microsoft.com/office/powerpoint/2010/main" val="1794171495"/>
       </p:ext>
     </p:extLst>
   </p:cSld>
   <p:clrMapOvr>
     <a:masterClrMapping/>
   </p:clrMapOvr>
-  <p:timing>
-    <p:tnLst>
-      <p:par>
-        <p:cTn id="1" dur="indefinite" restart="never" nodeType="tmRoot"/>
-      </p:par>
-    </p:tnLst>
-  </p:timing>
 </p:sld>
 </file>
 
@@ -4487,58 +7864,13 @@
           <a:p>
             <a:r>
               <a:rPr lang="en-US" dirty="0" smtClean="0"/>
-              <a:t>Feedback approach (Kim and </a:t>
-            </a:r>
-            <a:r>
-              <a:rPr lang="en-US" dirty="0" err="1" smtClean="0"/>
-              <a:t>Agrawal</a:t>
-            </a:r>
-            <a:r>
-              <a:rPr lang="en-US" dirty="0" smtClean="0"/>
-              <a:t>, </a:t>
-            </a:r>
-            <a:r>
-              <a:rPr lang="en-US" dirty="0" err="1" smtClean="0"/>
-              <a:t>Chesi</a:t>
-            </a:r>
-            <a:r>
-              <a:rPr lang="en-US" dirty="0" smtClean="0"/>
-              <a:t> and Gong)</a:t>
-            </a:r>
-          </a:p>
-          <a:p>
-            <a:pPr lvl="1"/>
-            <a:r>
-              <a:rPr lang="en-US" dirty="0" smtClean="0"/>
-              <a:t>Actuate system</a:t>
-            </a:r>
-          </a:p>
-          <a:p>
-            <a:pPr lvl="1"/>
-            <a:r>
-              <a:rPr lang="en-US" dirty="0" smtClean="0"/>
-              <a:t>While system is spinning, apply feedback control law to drive external torque to zero</a:t>
-            </a:r>
-          </a:p>
-          <a:p>
-            <a:pPr lvl="1"/>
-            <a:r>
-              <a:rPr lang="en-US" dirty="0" smtClean="0"/>
-              <a:t>Requires knowledge of initial MOI</a:t>
-            </a:r>
-          </a:p>
-          <a:p>
-            <a:pPr lvl="1"/>
-            <a:r>
-              <a:rPr lang="en-US" dirty="0" smtClean="0"/>
-              <a:t>Requires IMU</a:t>
-            </a:r>
-          </a:p>
-          <a:p>
-            <a:pPr lvl="1"/>
-            <a:r>
-              <a:rPr lang="en-US" dirty="0" smtClean="0"/>
-              <a:t>Requires actuation</a:t>
+              <a:t>Most rely on spinning the test-bed and measuring rotational rates</a:t>
+            </a:r>
+          </a:p>
+          <a:p>
+            <a:r>
+              <a:rPr lang="en-US" dirty="0" smtClean="0"/>
+              <a:t>Can be grouped into batch estimation type solutions and feedback solutions</a:t>
             </a:r>
             <a:endParaRPr lang="en-US" dirty="0"/>
           </a:p>
@@ -4547,7 +7879,7 @@
     </p:spTree>
     <p:extLst>
       <p:ext uri="{BB962C8B-B14F-4D97-AF65-F5344CB8AC3E}">
-        <p14:creationId xmlns:p14="http://schemas.microsoft.com/office/powerpoint/2010/main" val="1269536730"/>
+        <p14:creationId xmlns:p14="http://schemas.microsoft.com/office/powerpoint/2010/main" val="4045546271"/>
       </p:ext>
     </p:extLst>
   </p:cSld>
@@ -4593,66 +7925,132 @@
         </p:nvSpPr>
         <p:spPr/>
         <p:txBody>
+          <a:bodyPr/>
+          <a:lstStyle/>
+          <a:p>
+            <a:r>
+              <a:rPr lang="en-US" dirty="0" smtClean="0"/>
+              <a:t>Balancing Approaches	</a:t>
+            </a:r>
+            <a:endParaRPr lang="en-US" dirty="0"/>
+          </a:p>
+        </p:txBody>
+      </p:sp>
+      <p:sp>
+        <p:nvSpPr>
+          <p:cNvPr id="3" name="Content Placeholder 2"/>
+          <p:cNvSpPr>
+            <a:spLocks noGrp="1"/>
+          </p:cNvSpPr>
+          <p:nvPr>
+            <p:ph idx="1"/>
+          </p:nvPr>
+        </p:nvSpPr>
+        <p:spPr/>
+        <p:txBody>
           <a:bodyPr>
-            <a:normAutofit/>
+            <a:normAutofit fontScale="92500" lnSpcReduction="10000"/>
           </a:bodyPr>
           <a:lstStyle/>
           <a:p>
             <a:r>
               <a:rPr lang="en-US" dirty="0" smtClean="0"/>
-              <a:t>My Proposed Approach</a:t>
-            </a:r>
-            <a:endParaRPr lang="en-US" dirty="0"/>
-          </a:p>
-        </p:txBody>
-      </p:sp>
-      <p:sp>
-        <p:nvSpPr>
-          <p:cNvPr id="3" name="Content Placeholder 2"/>
-          <p:cNvSpPr>
-            <a:spLocks noGrp="1"/>
-          </p:cNvSpPr>
-          <p:nvPr>
-            <p:ph idx="1"/>
-          </p:nvPr>
-        </p:nvSpPr>
-        <p:spPr/>
-        <p:txBody>
-          <a:bodyPr/>
-          <a:lstStyle/>
-          <a:p>
-            <a:r>
-              <a:rPr lang="en-US" dirty="0" smtClean="0"/>
-              <a:t>Step 1: Move </a:t>
+              <a:t>Batch estimation (Li and </a:t>
+            </a:r>
+            <a:r>
+              <a:rPr lang="en-US" dirty="0" err="1" smtClean="0"/>
+              <a:t>Gao</a:t>
+            </a:r>
+            <a:r>
+              <a:rPr lang="en-US" dirty="0" smtClean="0"/>
+              <a:t>, </a:t>
+            </a:r>
+            <a:r>
+              <a:rPr lang="en-US" dirty="0" err="1" smtClean="0"/>
+              <a:t>Chesi</a:t>
+            </a:r>
+            <a:r>
+              <a:rPr lang="en-US" dirty="0" smtClean="0"/>
+              <a:t> and Gong)</a:t>
+            </a:r>
+          </a:p>
+          <a:p>
+            <a:pPr lvl="1"/>
+            <a:r>
+              <a:rPr lang="en-US" dirty="0" smtClean="0"/>
+              <a:t>Develop equations of motion</a:t>
+            </a:r>
+          </a:p>
+          <a:p>
+            <a:pPr lvl="1"/>
+            <a:r>
+              <a:rPr lang="en-US" dirty="0" smtClean="0"/>
+              <a:t>Actuate system (with reaction wheels)</a:t>
+            </a:r>
+          </a:p>
+          <a:p>
+            <a:pPr lvl="1"/>
+            <a:r>
+              <a:rPr lang="en-US" dirty="0" smtClean="0"/>
+              <a:t>Use some (least squares) approach to find best estimate of </a:t>
             </a:r>
             <a:r>
               <a:rPr lang="en-US" dirty="0" err="1" smtClean="0"/>
               <a:t>CoG</a:t>
             </a:r>
-            <a:r>
-              <a:rPr lang="en-US" dirty="0" smtClean="0"/>
-              <a:t> to Z axis using gravity vector feedback</a:t>
-            </a:r>
+            <a:endParaRPr lang="en-US" dirty="0" smtClean="0"/>
           </a:p>
           <a:p>
             <a:pPr lvl="1"/>
             <a:r>
               <a:rPr lang="en-US" dirty="0" smtClean="0"/>
-              <a:t>Move around the weights until the bearing sits flat, but is still bottom heavy</a:t>
-            </a:r>
+              <a:t>Once </a:t>
+            </a:r>
+            <a:r>
+              <a:rPr lang="en-US" dirty="0" err="1" smtClean="0"/>
+              <a:t>CoG</a:t>
+            </a:r>
+            <a:r>
+              <a:rPr lang="en-US" dirty="0" smtClean="0"/>
+              <a:t> is known, move masses to compensate</a:t>
+            </a:r>
+          </a:p>
+          <a:p>
+            <a:pPr lvl="1"/>
+            <a:r>
+              <a:rPr lang="en-US" dirty="0" smtClean="0"/>
+              <a:t>Sensitive to knowledge of actuator parameters</a:t>
+            </a:r>
+          </a:p>
+          <a:p>
+            <a:pPr lvl="1"/>
+            <a:r>
+              <a:rPr lang="en-US" dirty="0" smtClean="0"/>
+              <a:t>Need to know MOI (or estimate it at the same time)</a:t>
+            </a:r>
+          </a:p>
+          <a:p>
+            <a:pPr lvl="1"/>
+            <a:r>
+              <a:rPr lang="en-US" dirty="0" smtClean="0"/>
+              <a:t>Multiple iterations needed</a:t>
+            </a:r>
+          </a:p>
+          <a:p>
+            <a:pPr lvl="1"/>
+            <a:r>
+              <a:rPr lang="en-US" dirty="0" smtClean="0"/>
+              <a:t>Requires actuation</a:t>
+            </a:r>
+          </a:p>
+          <a:p>
+            <a:pPr lvl="1"/>
+            <a:endParaRPr lang="en-US" dirty="0" smtClean="0"/>
           </a:p>
           <a:p>
             <a:pPr marL="457200" lvl="1" indent="0">
               <a:buNone/>
             </a:pPr>
-            <a:r>
-              <a:rPr lang="en-US" dirty="0"/>
-              <a:t>	</a:t>
-            </a:r>
-            <a:r>
-              <a:rPr lang="en-US" dirty="0" smtClean="0"/>
-              <a:t> </a:t>
-            </a:r>
             <a:endParaRPr lang="en-US" dirty="0"/>
           </a:p>
         </p:txBody>
@@ -4660,7 +8058,7 @@
     </p:spTree>
     <p:extLst>
       <p:ext uri="{BB962C8B-B14F-4D97-AF65-F5344CB8AC3E}">
-        <p14:creationId xmlns:p14="http://schemas.microsoft.com/office/powerpoint/2010/main" val="2118397753"/>
+        <p14:creationId xmlns:p14="http://schemas.microsoft.com/office/powerpoint/2010/main" val="4257297385"/>
       </p:ext>
     </p:extLst>
   </p:cSld>
@@ -4711,7 +8109,7 @@
           <a:p>
             <a:r>
               <a:rPr lang="en-US" dirty="0" smtClean="0"/>
-              <a:t>My Proposed Approach</a:t>
+              <a:t>Balancing Approaches</a:t>
             </a:r>
             <a:endParaRPr lang="en-US" dirty="0"/>
           </a:p>
@@ -4734,50 +8132,39 @@
           <a:p>
             <a:r>
               <a:rPr lang="en-US" dirty="0" smtClean="0"/>
-              <a:t>Step 2: Tilt the air bearing and rest it on a force </a:t>
-            </a:r>
-            <a:r>
-              <a:rPr lang="en-US" dirty="0" err="1" smtClean="0"/>
-              <a:t>guage</a:t>
-            </a:r>
-            <a:r>
-              <a:rPr lang="en-US" dirty="0" smtClean="0"/>
-              <a:t>. Slide up z axis mass until force </a:t>
-            </a:r>
-            <a:r>
-              <a:rPr lang="en-US" dirty="0" err="1" smtClean="0"/>
-              <a:t>guage</a:t>
-            </a:r>
-            <a:r>
-              <a:rPr lang="en-US" dirty="0" smtClean="0"/>
-              <a:t> reads zero.</a:t>
+              <a:t>Alternative Approach to Batch Estimation</a:t>
             </a:r>
           </a:p>
           <a:p>
             <a:pPr lvl="1"/>
             <a:r>
               <a:rPr lang="en-US" dirty="0" smtClean="0"/>
-              <a:t>Force on the </a:t>
-            </a:r>
-            <a:r>
-              <a:rPr lang="en-US" dirty="0" err="1" smtClean="0"/>
-              <a:t>guage</a:t>
-            </a:r>
-            <a:r>
-              <a:rPr lang="en-US" dirty="0" smtClean="0"/>
-              <a:t> is proportional to the torque being applied by gravity</a:t>
+              <a:t>Move masses</a:t>
             </a:r>
           </a:p>
           <a:p>
             <a:pPr lvl="1"/>
             <a:r>
               <a:rPr lang="en-US" dirty="0" smtClean="0"/>
-              <a:t>Z axis actuator must be directly below </a:t>
-            </a:r>
-            <a:r>
-              <a:rPr lang="en-US" dirty="0" err="1" smtClean="0"/>
-              <a:t>CoR</a:t>
-            </a:r>
+              <a:t>Measure change of equilibrium position</a:t>
+            </a:r>
+          </a:p>
+          <a:p>
+            <a:pPr lvl="1"/>
+            <a:r>
+              <a:rPr lang="en-US" dirty="0" smtClean="0"/>
+              <a:t>Compute center of mass </a:t>
+            </a:r>
+          </a:p>
+          <a:p>
+            <a:pPr lvl="1"/>
+            <a:r>
+              <a:rPr lang="en-US" dirty="0" smtClean="0"/>
+              <a:t>Move masses to compensate </a:t>
+            </a:r>
+          </a:p>
+          <a:p>
+            <a:pPr lvl="1"/>
             <a:endParaRPr lang="en-US" dirty="0"/>
           </a:p>
         </p:txBody>
@@ -4785,7 +8172,7 @@
     </p:spTree>
     <p:extLst>
       <p:ext uri="{BB962C8B-B14F-4D97-AF65-F5344CB8AC3E}">
-        <p14:creationId xmlns:p14="http://schemas.microsoft.com/office/powerpoint/2010/main" val="692798796"/>
+        <p14:creationId xmlns:p14="http://schemas.microsoft.com/office/powerpoint/2010/main" val="1185696142"/>
       </p:ext>
     </p:extLst>
   </p:cSld>
@@ -4836,7 +8223,7 @@
           <a:p>
             <a:r>
               <a:rPr lang="en-US" dirty="0" smtClean="0"/>
-              <a:t>Benefits of My Approach</a:t>
+              <a:t>Balancing Approaches</a:t>
             </a:r>
             <a:endParaRPr lang="en-US" dirty="0"/>
           </a:p>
@@ -4859,32 +8246,58 @@
           <a:p>
             <a:r>
               <a:rPr lang="en-US" dirty="0" smtClean="0"/>
-              <a:t>No need to know MOI</a:t>
+              <a:t>Feedback approach (Kim and </a:t>
+            </a:r>
+            <a:r>
+              <a:rPr lang="en-US" dirty="0" err="1" smtClean="0"/>
+              <a:t>Agrawal</a:t>
+            </a:r>
+            <a:r>
+              <a:rPr lang="en-US" dirty="0" smtClean="0"/>
+              <a:t>, </a:t>
+            </a:r>
+            <a:r>
+              <a:rPr lang="en-US" dirty="0" err="1" smtClean="0"/>
+              <a:t>Chesi</a:t>
+            </a:r>
+            <a:r>
+              <a:rPr lang="en-US" dirty="0" smtClean="0"/>
+              <a:t> and Gong)</a:t>
             </a:r>
           </a:p>
           <a:p>
             <a:pPr lvl="1"/>
             <a:r>
               <a:rPr lang="en-US" dirty="0" smtClean="0"/>
-              <a:t>Important since we plan on switching test-beds a lot</a:t>
-            </a:r>
-          </a:p>
-          <a:p>
-            <a:r>
-              <a:rPr lang="en-US" dirty="0" smtClean="0"/>
-              <a:t>No need for accurate knowledge of actuator position</a:t>
-            </a:r>
-          </a:p>
-          <a:p>
-            <a:r>
-              <a:rPr lang="en-US" dirty="0" smtClean="0"/>
-              <a:t>Not sensitive to x and y axis actuator alignment</a:t>
-            </a:r>
-          </a:p>
-          <a:p>
-            <a:r>
-              <a:rPr lang="en-US" dirty="0" smtClean="0"/>
-              <a:t>Computationally non-intensive</a:t>
+              <a:t>Actuate system</a:t>
+            </a:r>
+          </a:p>
+          <a:p>
+            <a:pPr lvl="1"/>
+            <a:r>
+              <a:rPr lang="en-US" dirty="0" smtClean="0"/>
+              <a:t>While system is spinning, apply feedback control law to drive external torque to zero</a:t>
+            </a:r>
+          </a:p>
+          <a:p>
+            <a:pPr lvl="1"/>
+            <a:r>
+              <a:rPr lang="en-US" dirty="0" smtClean="0"/>
+              <a:t>Requires knowledge of initial MOI</a:t>
+            </a:r>
+          </a:p>
+          <a:p>
+            <a:pPr lvl="1"/>
+            <a:r>
+              <a:rPr lang="en-US" dirty="0" smtClean="0"/>
+              <a:t>Requires IMU</a:t>
+            </a:r>
+          </a:p>
+          <a:p>
+            <a:pPr lvl="1"/>
+            <a:r>
+              <a:rPr lang="en-US" dirty="0" smtClean="0"/>
+              <a:t>Requires actuation</a:t>
             </a:r>
             <a:endParaRPr lang="en-US" dirty="0"/>
           </a:p>
@@ -4893,7 +8306,7 @@
     </p:spTree>
     <p:extLst>
       <p:ext uri="{BB962C8B-B14F-4D97-AF65-F5344CB8AC3E}">
-        <p14:creationId xmlns:p14="http://schemas.microsoft.com/office/powerpoint/2010/main" val="1441720097"/>
+        <p14:creationId xmlns:p14="http://schemas.microsoft.com/office/powerpoint/2010/main" val="1269536730"/>
       </p:ext>
     </p:extLst>
   </p:cSld>
@@ -5034,70 +8447,74 @@
         </p:nvSpPr>
         <p:spPr/>
         <p:txBody>
+          <a:bodyPr>
+            <a:normAutofit/>
+          </a:bodyPr>
+          <a:lstStyle/>
+          <a:p>
+            <a:r>
+              <a:rPr lang="en-US" dirty="0" smtClean="0"/>
+              <a:t>My Proposed Approach</a:t>
+            </a:r>
+            <a:endParaRPr lang="en-US" dirty="0"/>
+          </a:p>
+        </p:txBody>
+      </p:sp>
+      <p:sp>
+        <p:nvSpPr>
+          <p:cNvPr id="3" name="Content Placeholder 2"/>
+          <p:cNvSpPr>
+            <a:spLocks noGrp="1"/>
+          </p:cNvSpPr>
+          <p:nvPr>
+            <p:ph idx="1"/>
+          </p:nvPr>
+        </p:nvSpPr>
+        <p:spPr/>
+        <p:txBody>
           <a:bodyPr/>
           <a:lstStyle/>
           <a:p>
             <a:r>
               <a:rPr lang="en-US" dirty="0" smtClean="0"/>
-              <a:t>Plan</a:t>
+              <a:t>Step 1: Move </a:t>
+            </a:r>
+            <a:r>
+              <a:rPr lang="en-US" dirty="0" err="1" smtClean="0"/>
+              <a:t>CoG</a:t>
+            </a:r>
+            <a:r>
+              <a:rPr lang="en-US" dirty="0" smtClean="0"/>
+              <a:t> to Z axis using gravity vector feedback</a:t>
+            </a:r>
+          </a:p>
+          <a:p>
+            <a:pPr lvl="1"/>
+            <a:r>
+              <a:rPr lang="en-US" dirty="0" smtClean="0"/>
+              <a:t>Move around the weights until the bearing sits flat, but is still bottom heavy</a:t>
+            </a:r>
+          </a:p>
+          <a:p>
+            <a:pPr marL="457200" lvl="1" indent="0">
+              <a:buNone/>
+            </a:pPr>
+            <a:r>
+              <a:rPr lang="en-US" dirty="0"/>
+              <a:t>	</a:t>
+            </a:r>
+            <a:r>
+              <a:rPr lang="en-US" dirty="0" smtClean="0"/>
+              <a:t> </a:t>
             </a:r>
             <a:endParaRPr lang="en-US" dirty="0"/>
-          </a:p>
-        </p:txBody>
-      </p:sp>
-      <p:sp>
-        <p:nvSpPr>
-          <p:cNvPr id="3" name="Content Placeholder 2"/>
-          <p:cNvSpPr>
-            <a:spLocks noGrp="1"/>
-          </p:cNvSpPr>
-          <p:nvPr>
-            <p:ph idx="1"/>
-          </p:nvPr>
-        </p:nvSpPr>
-        <p:spPr/>
-        <p:txBody>
-          <a:bodyPr>
-            <a:normAutofit fontScale="92500"/>
-          </a:bodyPr>
-          <a:lstStyle/>
-          <a:p>
-            <a:r>
-              <a:rPr lang="en-US" dirty="0" smtClean="0"/>
-              <a:t>Hardware is pretty much the same for all of the possible approaches</a:t>
-            </a:r>
-          </a:p>
-          <a:p>
-            <a:r>
-              <a:rPr lang="en-US" dirty="0" smtClean="0"/>
-              <a:t>Step 1: Build the rig well</a:t>
-            </a:r>
-          </a:p>
-          <a:p>
-            <a:pPr lvl="1"/>
-            <a:r>
-              <a:rPr lang="en-US" dirty="0" smtClean="0"/>
-              <a:t>My method shouldn’t be very sensitive to the precision of the build, but others may be</a:t>
-            </a:r>
-          </a:p>
-          <a:p>
-            <a:r>
-              <a:rPr lang="en-US" dirty="0" smtClean="0"/>
-              <a:t>Step 2: Implement my method using IMU for gravity vector</a:t>
-            </a:r>
-          </a:p>
-          <a:p>
-            <a:r>
-              <a:rPr lang="en-US" dirty="0" smtClean="0"/>
-              <a:t>Step 3: If it doesn’t work, we try something that’s been published (hardware is already set up)</a:t>
-            </a:r>
           </a:p>
         </p:txBody>
       </p:sp>
     </p:spTree>
     <p:extLst>
       <p:ext uri="{BB962C8B-B14F-4D97-AF65-F5344CB8AC3E}">
-        <p14:creationId xmlns:p14="http://schemas.microsoft.com/office/powerpoint/2010/main" val="4060742304"/>
+        <p14:creationId xmlns:p14="http://schemas.microsoft.com/office/powerpoint/2010/main" val="2118397753"/>
       </p:ext>
     </p:extLst>
   </p:cSld>
@@ -5148,7 +8565,7 @@
           <a:p>
             <a:r>
               <a:rPr lang="en-US" dirty="0" smtClean="0"/>
-              <a:t>Build Plan</a:t>
+              <a:t>My Proposed Approach</a:t>
             </a:r>
             <a:endParaRPr lang="en-US" dirty="0"/>
           </a:p>
@@ -5171,15 +8588,49 @@
           <a:p>
             <a:r>
               <a:rPr lang="en-US" dirty="0" smtClean="0"/>
-              <a:t>See </a:t>
+              <a:t>Step 2: Tilt the air bearing and rest it on a force </a:t>
             </a:r>
             <a:r>
               <a:rPr lang="en-US" dirty="0" err="1" smtClean="0"/>
-              <a:t>SolidWorks</a:t>
-            </a:r>
-            <a:r>
-              <a:rPr lang="en-US" dirty="0" smtClean="0"/>
-              <a:t> mock up</a:t>
+              <a:t>guage</a:t>
+            </a:r>
+            <a:r>
+              <a:rPr lang="en-US" dirty="0" smtClean="0"/>
+              <a:t>. Slide up z axis mass until force </a:t>
+            </a:r>
+            <a:r>
+              <a:rPr lang="en-US" dirty="0" err="1" smtClean="0"/>
+              <a:t>guage</a:t>
+            </a:r>
+            <a:r>
+              <a:rPr lang="en-US" dirty="0" smtClean="0"/>
+              <a:t> reads zero.</a:t>
+            </a:r>
+          </a:p>
+          <a:p>
+            <a:pPr lvl="1"/>
+            <a:r>
+              <a:rPr lang="en-US" dirty="0" smtClean="0"/>
+              <a:t>Force on the </a:t>
+            </a:r>
+            <a:r>
+              <a:rPr lang="en-US" dirty="0" err="1" smtClean="0"/>
+              <a:t>guage</a:t>
+            </a:r>
+            <a:r>
+              <a:rPr lang="en-US" dirty="0" smtClean="0"/>
+              <a:t> is proportional to the torque being applied by gravity</a:t>
+            </a:r>
+          </a:p>
+          <a:p>
+            <a:pPr lvl="1"/>
+            <a:r>
+              <a:rPr lang="en-US" dirty="0" smtClean="0"/>
+              <a:t>Z axis actuator must be directly below </a:t>
+            </a:r>
+            <a:r>
+              <a:rPr lang="en-US" dirty="0" err="1" smtClean="0"/>
+              <a:t>CoR</a:t>
             </a:r>
             <a:endParaRPr lang="en-US" dirty="0"/>
           </a:p>
@@ -5188,7 +8639,7 @@
     </p:spTree>
     <p:extLst>
       <p:ext uri="{BB962C8B-B14F-4D97-AF65-F5344CB8AC3E}">
-        <p14:creationId xmlns:p14="http://schemas.microsoft.com/office/powerpoint/2010/main" val="1858319594"/>
+        <p14:creationId xmlns:p14="http://schemas.microsoft.com/office/powerpoint/2010/main" val="692798796"/>
       </p:ext>
     </p:extLst>
   </p:cSld>
@@ -5239,6 +8690,314 @@
           <a:p>
             <a:r>
               <a:rPr lang="en-US" dirty="0" smtClean="0"/>
+              <a:t>Benefits of My Approach</a:t>
+            </a:r>
+            <a:endParaRPr lang="en-US" dirty="0"/>
+          </a:p>
+        </p:txBody>
+      </p:sp>
+      <p:sp>
+        <p:nvSpPr>
+          <p:cNvPr id="3" name="Content Placeholder 2"/>
+          <p:cNvSpPr>
+            <a:spLocks noGrp="1"/>
+          </p:cNvSpPr>
+          <p:nvPr>
+            <p:ph idx="1"/>
+          </p:nvPr>
+        </p:nvSpPr>
+        <p:spPr/>
+        <p:txBody>
+          <a:bodyPr/>
+          <a:lstStyle/>
+          <a:p>
+            <a:r>
+              <a:rPr lang="en-US" dirty="0" smtClean="0"/>
+              <a:t>No need to know MOI</a:t>
+            </a:r>
+          </a:p>
+          <a:p>
+            <a:pPr lvl="1"/>
+            <a:r>
+              <a:rPr lang="en-US" dirty="0" smtClean="0"/>
+              <a:t>Important since we plan on switching test-beds a lot</a:t>
+            </a:r>
+          </a:p>
+          <a:p>
+            <a:r>
+              <a:rPr lang="en-US" dirty="0" smtClean="0"/>
+              <a:t>No need for accurate knowledge of actuator position</a:t>
+            </a:r>
+          </a:p>
+          <a:p>
+            <a:r>
+              <a:rPr lang="en-US" dirty="0" smtClean="0"/>
+              <a:t>Not sensitive to x and y axis actuator alignment</a:t>
+            </a:r>
+          </a:p>
+          <a:p>
+            <a:r>
+              <a:rPr lang="en-US" dirty="0" smtClean="0"/>
+              <a:t>Computationally non-intensive</a:t>
+            </a:r>
+            <a:endParaRPr lang="en-US" dirty="0"/>
+          </a:p>
+        </p:txBody>
+      </p:sp>
+    </p:spTree>
+    <p:extLst>
+      <p:ext uri="{BB962C8B-B14F-4D97-AF65-F5344CB8AC3E}">
+        <p14:creationId xmlns:p14="http://schemas.microsoft.com/office/powerpoint/2010/main" val="1441720097"/>
+      </p:ext>
+    </p:extLst>
+  </p:cSld>
+  <p:clrMapOvr>
+    <a:masterClrMapping/>
+  </p:clrMapOvr>
+  <p:timing>
+    <p:tnLst>
+      <p:par>
+        <p:cTn id="1" dur="indefinite" restart="never" nodeType="tmRoot"/>
+      </p:par>
+    </p:tnLst>
+  </p:timing>
+</p:sld>
+</file>
+
+<file path=ppt/slides/slide23.xml><?xml version="1.0" encoding="utf-8"?>
+<p:sld xmlns:a="http://schemas.openxmlformats.org/drawingml/2006/main" xmlns:r="http://schemas.openxmlformats.org/officeDocument/2006/relationships" xmlns:p="http://schemas.openxmlformats.org/presentationml/2006/main">
+  <p:cSld>
+    <p:spTree>
+      <p:nvGrpSpPr>
+        <p:cNvPr id="1" name=""/>
+        <p:cNvGrpSpPr/>
+        <p:nvPr/>
+      </p:nvGrpSpPr>
+      <p:grpSpPr>
+        <a:xfrm>
+          <a:off x="0" y="0"/>
+          <a:ext cx="0" cy="0"/>
+          <a:chOff x="0" y="0"/>
+          <a:chExt cx="0" cy="0"/>
+        </a:xfrm>
+      </p:grpSpPr>
+      <p:sp>
+        <p:nvSpPr>
+          <p:cNvPr id="2" name="Title 1"/>
+          <p:cNvSpPr>
+            <a:spLocks noGrp="1"/>
+          </p:cNvSpPr>
+          <p:nvPr>
+            <p:ph type="title"/>
+          </p:nvPr>
+        </p:nvSpPr>
+        <p:spPr/>
+        <p:txBody>
+          <a:bodyPr/>
+          <a:lstStyle/>
+          <a:p>
+            <a:r>
+              <a:rPr lang="en-US" dirty="0" smtClean="0"/>
+              <a:t>Plan</a:t>
+            </a:r>
+            <a:endParaRPr lang="en-US" dirty="0"/>
+          </a:p>
+        </p:txBody>
+      </p:sp>
+      <p:sp>
+        <p:nvSpPr>
+          <p:cNvPr id="3" name="Content Placeholder 2"/>
+          <p:cNvSpPr>
+            <a:spLocks noGrp="1"/>
+          </p:cNvSpPr>
+          <p:nvPr>
+            <p:ph idx="1"/>
+          </p:nvPr>
+        </p:nvSpPr>
+        <p:spPr/>
+        <p:txBody>
+          <a:bodyPr>
+            <a:normAutofit fontScale="92500"/>
+          </a:bodyPr>
+          <a:lstStyle/>
+          <a:p>
+            <a:r>
+              <a:rPr lang="en-US" dirty="0" smtClean="0"/>
+              <a:t>Hardware is pretty much the same for all of the possible approaches</a:t>
+            </a:r>
+          </a:p>
+          <a:p>
+            <a:r>
+              <a:rPr lang="en-US" dirty="0" smtClean="0"/>
+              <a:t>Step 1: Build the rig well</a:t>
+            </a:r>
+          </a:p>
+          <a:p>
+            <a:pPr lvl="1"/>
+            <a:r>
+              <a:rPr lang="en-US" dirty="0" smtClean="0"/>
+              <a:t>My method shouldn’t be very sensitive to the precision of the build, but others may be</a:t>
+            </a:r>
+          </a:p>
+          <a:p>
+            <a:r>
+              <a:rPr lang="en-US" dirty="0" smtClean="0"/>
+              <a:t>Step 2: Implement my method using IMU for gravity vector</a:t>
+            </a:r>
+          </a:p>
+          <a:p>
+            <a:r>
+              <a:rPr lang="en-US" dirty="0" smtClean="0"/>
+              <a:t>Step 3: If it doesn’t work, we try something that’s been published (hardware is already set up)</a:t>
+            </a:r>
+          </a:p>
+        </p:txBody>
+      </p:sp>
+    </p:spTree>
+    <p:extLst>
+      <p:ext uri="{BB962C8B-B14F-4D97-AF65-F5344CB8AC3E}">
+        <p14:creationId xmlns:p14="http://schemas.microsoft.com/office/powerpoint/2010/main" val="4060742304"/>
+      </p:ext>
+    </p:extLst>
+  </p:cSld>
+  <p:clrMapOvr>
+    <a:masterClrMapping/>
+  </p:clrMapOvr>
+  <p:timing>
+    <p:tnLst>
+      <p:par>
+        <p:cTn id="1" dur="indefinite" restart="never" nodeType="tmRoot"/>
+      </p:par>
+    </p:tnLst>
+  </p:timing>
+</p:sld>
+</file>
+
+<file path=ppt/slides/slide24.xml><?xml version="1.0" encoding="utf-8"?>
+<p:sld xmlns:a="http://schemas.openxmlformats.org/drawingml/2006/main" xmlns:r="http://schemas.openxmlformats.org/officeDocument/2006/relationships" xmlns:p="http://schemas.openxmlformats.org/presentationml/2006/main">
+  <p:cSld>
+    <p:spTree>
+      <p:nvGrpSpPr>
+        <p:cNvPr id="1" name=""/>
+        <p:cNvGrpSpPr/>
+        <p:nvPr/>
+      </p:nvGrpSpPr>
+      <p:grpSpPr>
+        <a:xfrm>
+          <a:off x="0" y="0"/>
+          <a:ext cx="0" cy="0"/>
+          <a:chOff x="0" y="0"/>
+          <a:chExt cx="0" cy="0"/>
+        </a:xfrm>
+      </p:grpSpPr>
+      <p:sp>
+        <p:nvSpPr>
+          <p:cNvPr id="2" name="Title 1"/>
+          <p:cNvSpPr>
+            <a:spLocks noGrp="1"/>
+          </p:cNvSpPr>
+          <p:nvPr>
+            <p:ph type="title"/>
+          </p:nvPr>
+        </p:nvSpPr>
+        <p:spPr/>
+        <p:txBody>
+          <a:bodyPr/>
+          <a:lstStyle/>
+          <a:p>
+            <a:r>
+              <a:rPr lang="en-US" dirty="0" smtClean="0"/>
+              <a:t>Build Plan</a:t>
+            </a:r>
+            <a:endParaRPr lang="en-US" dirty="0"/>
+          </a:p>
+        </p:txBody>
+      </p:sp>
+      <p:sp>
+        <p:nvSpPr>
+          <p:cNvPr id="3" name="Content Placeholder 2"/>
+          <p:cNvSpPr>
+            <a:spLocks noGrp="1"/>
+          </p:cNvSpPr>
+          <p:nvPr>
+            <p:ph idx="1"/>
+          </p:nvPr>
+        </p:nvSpPr>
+        <p:spPr/>
+        <p:txBody>
+          <a:bodyPr/>
+          <a:lstStyle/>
+          <a:p>
+            <a:r>
+              <a:rPr lang="en-US" dirty="0" smtClean="0"/>
+              <a:t>See </a:t>
+            </a:r>
+            <a:r>
+              <a:rPr lang="en-US" dirty="0" err="1" smtClean="0"/>
+              <a:t>SolidWorks</a:t>
+            </a:r>
+            <a:r>
+              <a:rPr lang="en-US" dirty="0" smtClean="0"/>
+              <a:t> mock up</a:t>
+            </a:r>
+            <a:endParaRPr lang="en-US" dirty="0"/>
+          </a:p>
+        </p:txBody>
+      </p:sp>
+    </p:spTree>
+    <p:extLst>
+      <p:ext uri="{BB962C8B-B14F-4D97-AF65-F5344CB8AC3E}">
+        <p14:creationId xmlns:p14="http://schemas.microsoft.com/office/powerpoint/2010/main" val="1858319594"/>
+      </p:ext>
+    </p:extLst>
+  </p:cSld>
+  <p:clrMapOvr>
+    <a:masterClrMapping/>
+  </p:clrMapOvr>
+  <p:timing>
+    <p:tnLst>
+      <p:par>
+        <p:cTn id="1" dur="indefinite" restart="never" nodeType="tmRoot"/>
+      </p:par>
+    </p:tnLst>
+  </p:timing>
+</p:sld>
+</file>
+
+<file path=ppt/slides/slide25.xml><?xml version="1.0" encoding="utf-8"?>
+<p:sld xmlns:a="http://schemas.openxmlformats.org/drawingml/2006/main" xmlns:r="http://schemas.openxmlformats.org/officeDocument/2006/relationships" xmlns:p="http://schemas.openxmlformats.org/presentationml/2006/main">
+  <p:cSld>
+    <p:spTree>
+      <p:nvGrpSpPr>
+        <p:cNvPr id="1" name=""/>
+        <p:cNvGrpSpPr/>
+        <p:nvPr/>
+      </p:nvGrpSpPr>
+      <p:grpSpPr>
+        <a:xfrm>
+          <a:off x="0" y="0"/>
+          <a:ext cx="0" cy="0"/>
+          <a:chOff x="0" y="0"/>
+          <a:chExt cx="0" cy="0"/>
+        </a:xfrm>
+      </p:grpSpPr>
+      <p:sp>
+        <p:nvSpPr>
+          <p:cNvPr id="2" name="Title 1"/>
+          <p:cNvSpPr>
+            <a:spLocks noGrp="1"/>
+          </p:cNvSpPr>
+          <p:nvPr>
+            <p:ph type="title"/>
+          </p:nvPr>
+        </p:nvSpPr>
+        <p:spPr/>
+        <p:txBody>
+          <a:bodyPr/>
+          <a:lstStyle/>
+          <a:p>
+            <a:r>
+              <a:rPr lang="en-US" dirty="0" smtClean="0"/>
               <a:t>Keep in Mind</a:t>
             </a:r>
             <a:endParaRPr lang="en-US" dirty="0"/>
@@ -5325,7 +9084,7 @@
 </p:sld>
 </file>
 
-<file path=ppt/slides/slide23.xml><?xml version="1.0" encoding="utf-8"?>
+<file path=ppt/slides/slide26.xml><?xml version="1.0" encoding="utf-8"?>
 <p:sld xmlns:a="http://schemas.openxmlformats.org/drawingml/2006/main" xmlns:r="http://schemas.openxmlformats.org/officeDocument/2006/relationships" xmlns:p="http://schemas.openxmlformats.org/presentationml/2006/main">
   <p:cSld>
     <p:spTree>
@@ -6028,21 +9787,8 @@
             <a:pPr lvl="1"/>
             <a:r>
               <a:rPr lang="en-US" dirty="0" smtClean="0"/>
-              <a:t>Simpler </a:t>
-            </a:r>
-            <a:r>
-              <a:rPr lang="en-US" dirty="0" smtClean="0"/>
-              <a:t>(</a:t>
-            </a:r>
-            <a:r>
-              <a:rPr lang="en-US" dirty="0" smtClean="0"/>
-              <a:t>less moving parts</a:t>
-            </a:r>
-            <a:r>
-              <a:rPr lang="en-US" dirty="0" smtClean="0"/>
-              <a:t>)</a:t>
-            </a:r>
-            <a:endParaRPr lang="en-US" dirty="0" smtClean="0"/>
+              <a:t>Simpler (less moving parts)</a:t>
+            </a:r>
           </a:p>
           <a:p>
             <a:r>
@@ -6127,11 +9873,7 @@
           <a:p>
             <a:r>
               <a:rPr lang="en-US" dirty="0" smtClean="0"/>
-              <a:t>Proposed </a:t>
-            </a:r>
-            <a:r>
-              <a:rPr lang="en-US" dirty="0" smtClean="0"/>
-              <a:t>Actuator 1</a:t>
+              <a:t>Proposed Actuator 1</a:t>
             </a:r>
             <a:endParaRPr lang="en-US" dirty="0"/>
           </a:p>
@@ -6192,11 +9934,7 @@
           <a:p>
             <a:r>
               <a:rPr lang="en-US" dirty="0" smtClean="0"/>
-              <a:t>No encoder (add later if needed</a:t>
-            </a:r>
-            <a:r>
-              <a:rPr lang="en-US" dirty="0" smtClean="0"/>
-              <a:t>)</a:t>
+              <a:t>No encoder (add later if needed)</a:t>
             </a:r>
           </a:p>
           <a:p>
@@ -6204,7 +9942,6 @@
               <a:rPr lang="en-US" dirty="0" smtClean="0"/>
               <a:t>4 N/um stiffness</a:t>
             </a:r>
-            <a:endParaRPr lang="en-US" dirty="0" smtClean="0"/>
           </a:p>
         </p:txBody>
       </p:sp>
@@ -6326,11 +10063,7 @@
           <a:p>
             <a:r>
               <a:rPr lang="en-US" dirty="0" smtClean="0"/>
-              <a:t>Proposed </a:t>
-            </a:r>
-            <a:r>
-              <a:rPr lang="en-US" dirty="0" smtClean="0"/>
-              <a:t>Actuator 1</a:t>
+              <a:t>Proposed Actuator 1</a:t>
             </a:r>
             <a:endParaRPr lang="en-US" dirty="0"/>
           </a:p>
@@ -6381,7 +10114,6 @@
               <a:rPr lang="en-US" dirty="0" smtClean="0"/>
               <a:t>Lead time: 4 – 5 weeks</a:t>
             </a:r>
-            <a:endParaRPr lang="en-US" dirty="0" smtClean="0"/>
           </a:p>
           <a:p>
             <a:pPr marL="0" indent="0">
